--- a/docs/pptx/Kalman and Bayesian Filters/01_Preface.pptx
+++ b/docs/pptx/Kalman and Bayesian Filters/01_Preface.pptx
@@ -5,33 +5,33 @@
     <p:sldMasterId id="2147483648" r:id="rId1"/>
   </p:sldMasterIdLst>
   <p:sldIdLst>
-    <p:sldId id="256" r:id="rId3"/>
-    <p:sldId id="257" r:id="rId4"/>
-    <p:sldId id="258" r:id="rId5"/>
-    <p:sldId id="259" r:id="rId6"/>
-    <p:sldId id="261" r:id="rId7"/>
-    <p:sldId id="267" r:id="rId8"/>
-    <p:sldId id="262" r:id="rId9"/>
-    <p:sldId id="268" r:id="rId10"/>
-    <p:sldId id="263" r:id="rId11"/>
-    <p:sldId id="269" r:id="rId12"/>
-    <p:sldId id="264" r:id="rId13"/>
-    <p:sldId id="270" r:id="rId14"/>
-    <p:sldId id="265" r:id="rId15"/>
-    <p:sldId id="271" r:id="rId16"/>
-    <p:sldId id="266" r:id="rId17"/>
-    <p:sldId id="272" r:id="rId18"/>
-    <p:sldId id="260" r:id="rId19"/>
-    <p:sldId id="274" r:id="rId20"/>
-    <p:sldId id="275" r:id="rId21"/>
-    <p:sldId id="276" r:id="rId22"/>
-    <p:sldId id="277" r:id="rId23"/>
-    <p:sldId id="278" r:id="rId24"/>
-    <p:sldId id="279" r:id="rId25"/>
-    <p:sldId id="280" r:id="rId26"/>
-    <p:sldId id="281" r:id="rId27"/>
-    <p:sldId id="282" r:id="rId28"/>
-    <p:sldId id="273" r:id="rId29"/>
+    <p:sldId id="256" r:id="rId2"/>
+    <p:sldId id="257" r:id="rId3"/>
+    <p:sldId id="258" r:id="rId4"/>
+    <p:sldId id="259" r:id="rId5"/>
+    <p:sldId id="261" r:id="rId6"/>
+    <p:sldId id="267" r:id="rId7"/>
+    <p:sldId id="262" r:id="rId8"/>
+    <p:sldId id="268" r:id="rId9"/>
+    <p:sldId id="263" r:id="rId10"/>
+    <p:sldId id="269" r:id="rId11"/>
+    <p:sldId id="264" r:id="rId12"/>
+    <p:sldId id="270" r:id="rId13"/>
+    <p:sldId id="265" r:id="rId14"/>
+    <p:sldId id="271" r:id="rId15"/>
+    <p:sldId id="266" r:id="rId16"/>
+    <p:sldId id="272" r:id="rId17"/>
+    <p:sldId id="260" r:id="rId18"/>
+    <p:sldId id="274" r:id="rId19"/>
+    <p:sldId id="275" r:id="rId20"/>
+    <p:sldId id="276" r:id="rId21"/>
+    <p:sldId id="277" r:id="rId22"/>
+    <p:sldId id="278" r:id="rId23"/>
+    <p:sldId id="279" r:id="rId24"/>
+    <p:sldId id="280" r:id="rId25"/>
+    <p:sldId id="281" r:id="rId26"/>
+    <p:sldId id="282" r:id="rId27"/>
+    <p:sldId id="273" r:id="rId28"/>
   </p:sldIdLst>
   <p:sldSz cx="12192000" cy="6858000"/>
   <p:notesSz cx="6858000" cy="9144000"/>
@@ -130,6 +130,11 @@
       </a:defRPr>
     </a:lvl9pPr>
   </p:defaultTextStyle>
+  <p:extLst>
+    <p:ext uri="{EFAFB233-063F-42B5-8137-9DF3F51BA10A}">
+      <p15:sldGuideLst xmlns:p15="http://schemas.microsoft.com/office/powerpoint/2012/main"/>
+    </p:ext>
+  </p:extLst>
 </p:presentation>
 </file>
 
@@ -264,6 +269,7 @@
           <a:p>
             <a:fld id="{D997B5FA-0921-464F-AAE1-844C04324D75}" type="datetimeFigureOut">
               <a:rPr lang="zh-CN" altLang="en-US" smtClean="0"/>
+              <a:t>2022/3/13</a:t>
             </a:fld>
             <a:endParaRPr lang="zh-CN" altLang="en-US"/>
           </a:p>
@@ -305,6 +311,7 @@
           <a:p>
             <a:fld id="{565CE74E-AB26-4998-AD42-012C4C1AD076}" type="slidenum">
               <a:rPr lang="zh-CN" altLang="en-US" smtClean="0"/>
+              <a:t>‹#›</a:t>
             </a:fld>
             <a:endParaRPr lang="zh-CN" altLang="en-US"/>
           </a:p>
@@ -378,7 +385,6 @@
               <a:rPr lang="zh-CN" altLang="en-US" smtClean="0"/>
               <a:t>单击此处编辑母版文本样式</a:t>
             </a:r>
-            <a:endParaRPr lang="zh-CN" altLang="en-US" smtClean="0"/>
           </a:p>
           <a:p>
             <a:pPr lvl="1"/>
@@ -386,7 +392,6 @@
               <a:rPr lang="zh-CN" altLang="en-US" smtClean="0"/>
               <a:t>第二级</a:t>
             </a:r>
-            <a:endParaRPr lang="zh-CN" altLang="en-US" smtClean="0"/>
           </a:p>
           <a:p>
             <a:pPr lvl="2"/>
@@ -394,7 +399,6 @@
               <a:rPr lang="zh-CN" altLang="en-US" smtClean="0"/>
               <a:t>第三级</a:t>
             </a:r>
-            <a:endParaRPr lang="zh-CN" altLang="en-US" smtClean="0"/>
           </a:p>
           <a:p>
             <a:pPr lvl="3"/>
@@ -402,7 +406,6 @@
               <a:rPr lang="zh-CN" altLang="en-US" smtClean="0"/>
               <a:t>第四级</a:t>
             </a:r>
-            <a:endParaRPr lang="zh-CN" altLang="en-US" smtClean="0"/>
           </a:p>
           <a:p>
             <a:pPr lvl="4"/>
@@ -431,6 +434,7 @@
           <a:p>
             <a:fld id="{D997B5FA-0921-464F-AAE1-844C04324D75}" type="datetimeFigureOut">
               <a:rPr lang="zh-CN" altLang="en-US" smtClean="0"/>
+              <a:t>2022/3/13</a:t>
             </a:fld>
             <a:endParaRPr lang="zh-CN" altLang="en-US"/>
           </a:p>
@@ -472,6 +476,7 @@
           <a:p>
             <a:fld id="{565CE74E-AB26-4998-AD42-012C4C1AD076}" type="slidenum">
               <a:rPr lang="zh-CN" altLang="en-US" smtClean="0"/>
+              <a:t>‹#›</a:t>
             </a:fld>
             <a:endParaRPr lang="zh-CN" altLang="en-US"/>
           </a:p>
@@ -555,7 +560,6 @@
               <a:rPr lang="zh-CN" altLang="en-US" smtClean="0"/>
               <a:t>单击此处编辑母版文本样式</a:t>
             </a:r>
-            <a:endParaRPr lang="zh-CN" altLang="en-US" smtClean="0"/>
           </a:p>
           <a:p>
             <a:pPr lvl="1"/>
@@ -563,7 +567,6 @@
               <a:rPr lang="zh-CN" altLang="en-US" smtClean="0"/>
               <a:t>第二级</a:t>
             </a:r>
-            <a:endParaRPr lang="zh-CN" altLang="en-US" smtClean="0"/>
           </a:p>
           <a:p>
             <a:pPr lvl="2"/>
@@ -571,7 +574,6 @@
               <a:rPr lang="zh-CN" altLang="en-US" smtClean="0"/>
               <a:t>第三级</a:t>
             </a:r>
-            <a:endParaRPr lang="zh-CN" altLang="en-US" smtClean="0"/>
           </a:p>
           <a:p>
             <a:pPr lvl="3"/>
@@ -579,7 +581,6 @@
               <a:rPr lang="zh-CN" altLang="en-US" smtClean="0"/>
               <a:t>第四级</a:t>
             </a:r>
-            <a:endParaRPr lang="zh-CN" altLang="en-US" smtClean="0"/>
           </a:p>
           <a:p>
             <a:pPr lvl="4"/>
@@ -608,6 +609,7 @@
           <a:p>
             <a:fld id="{D997B5FA-0921-464F-AAE1-844C04324D75}" type="datetimeFigureOut">
               <a:rPr lang="zh-CN" altLang="en-US" smtClean="0"/>
+              <a:t>2022/3/13</a:t>
             </a:fld>
             <a:endParaRPr lang="zh-CN" altLang="en-US"/>
           </a:p>
@@ -649,6 +651,7 @@
           <a:p>
             <a:fld id="{565CE74E-AB26-4998-AD42-012C4C1AD076}" type="slidenum">
               <a:rPr lang="zh-CN" altLang="en-US" smtClean="0"/>
+              <a:t>‹#›</a:t>
             </a:fld>
             <a:endParaRPr lang="zh-CN" altLang="en-US"/>
           </a:p>
@@ -722,7 +725,6 @@
               <a:rPr lang="zh-CN" altLang="en-US" smtClean="0"/>
               <a:t>单击此处编辑母版文本样式</a:t>
             </a:r>
-            <a:endParaRPr lang="zh-CN" altLang="en-US" smtClean="0"/>
           </a:p>
           <a:p>
             <a:pPr lvl="1"/>
@@ -730,7 +732,6 @@
               <a:rPr lang="zh-CN" altLang="en-US" smtClean="0"/>
               <a:t>第二级</a:t>
             </a:r>
-            <a:endParaRPr lang="zh-CN" altLang="en-US" smtClean="0"/>
           </a:p>
           <a:p>
             <a:pPr lvl="2"/>
@@ -738,7 +739,6 @@
               <a:rPr lang="zh-CN" altLang="en-US" smtClean="0"/>
               <a:t>第三级</a:t>
             </a:r>
-            <a:endParaRPr lang="zh-CN" altLang="en-US" smtClean="0"/>
           </a:p>
           <a:p>
             <a:pPr lvl="3"/>
@@ -746,7 +746,6 @@
               <a:rPr lang="zh-CN" altLang="en-US" smtClean="0"/>
               <a:t>第四级</a:t>
             </a:r>
-            <a:endParaRPr lang="zh-CN" altLang="en-US" smtClean="0"/>
           </a:p>
           <a:p>
             <a:pPr lvl="4"/>
@@ -775,6 +774,7 @@
           <a:p>
             <a:fld id="{D997B5FA-0921-464F-AAE1-844C04324D75}" type="datetimeFigureOut">
               <a:rPr lang="zh-CN" altLang="en-US" smtClean="0"/>
+              <a:t>2022/3/13</a:t>
             </a:fld>
             <a:endParaRPr lang="zh-CN" altLang="en-US"/>
           </a:p>
@@ -816,6 +816,7 @@
           <a:p>
             <a:fld id="{565CE74E-AB26-4998-AD42-012C4C1AD076}" type="slidenum">
               <a:rPr lang="zh-CN" altLang="en-US" smtClean="0"/>
+              <a:t>‹#›</a:t>
             </a:fld>
             <a:endParaRPr lang="zh-CN" altLang="en-US"/>
           </a:p>
@@ -994,7 +995,6 @@
               <a:rPr lang="zh-CN" altLang="en-US" smtClean="0"/>
               <a:t>单击此处编辑母版文本样式</a:t>
             </a:r>
-            <a:endParaRPr lang="zh-CN" altLang="en-US" smtClean="0"/>
           </a:p>
         </p:txBody>
       </p:sp>
@@ -1015,6 +1015,7 @@
           <a:p>
             <a:fld id="{D997B5FA-0921-464F-AAE1-844C04324D75}" type="datetimeFigureOut">
               <a:rPr lang="zh-CN" altLang="en-US" smtClean="0"/>
+              <a:t>2022/3/13</a:t>
             </a:fld>
             <a:endParaRPr lang="zh-CN" altLang="en-US"/>
           </a:p>
@@ -1056,6 +1057,7 @@
           <a:p>
             <a:fld id="{565CE74E-AB26-4998-AD42-012C4C1AD076}" type="slidenum">
               <a:rPr lang="zh-CN" altLang="en-US" smtClean="0"/>
+              <a:t>‹#›</a:t>
             </a:fld>
             <a:endParaRPr lang="zh-CN" altLang="en-US"/>
           </a:p>
@@ -1134,7 +1136,6 @@
               <a:rPr lang="zh-CN" altLang="en-US" smtClean="0"/>
               <a:t>单击此处编辑母版文本样式</a:t>
             </a:r>
-            <a:endParaRPr lang="zh-CN" altLang="en-US" smtClean="0"/>
           </a:p>
           <a:p>
             <a:pPr lvl="1"/>
@@ -1142,7 +1143,6 @@
               <a:rPr lang="zh-CN" altLang="en-US" smtClean="0"/>
               <a:t>第二级</a:t>
             </a:r>
-            <a:endParaRPr lang="zh-CN" altLang="en-US" smtClean="0"/>
           </a:p>
           <a:p>
             <a:pPr lvl="2"/>
@@ -1150,7 +1150,6 @@
               <a:rPr lang="zh-CN" altLang="en-US" smtClean="0"/>
               <a:t>第三级</a:t>
             </a:r>
-            <a:endParaRPr lang="zh-CN" altLang="en-US" smtClean="0"/>
           </a:p>
           <a:p>
             <a:pPr lvl="3"/>
@@ -1158,7 +1157,6 @@
               <a:rPr lang="zh-CN" altLang="en-US" smtClean="0"/>
               <a:t>第四级</a:t>
             </a:r>
-            <a:endParaRPr lang="zh-CN" altLang="en-US" smtClean="0"/>
           </a:p>
           <a:p>
             <a:pPr lvl="4"/>
@@ -1195,7 +1193,6 @@
               <a:rPr lang="zh-CN" altLang="en-US" smtClean="0"/>
               <a:t>单击此处编辑母版文本样式</a:t>
             </a:r>
-            <a:endParaRPr lang="zh-CN" altLang="en-US" smtClean="0"/>
           </a:p>
           <a:p>
             <a:pPr lvl="1"/>
@@ -1203,7 +1200,6 @@
               <a:rPr lang="zh-CN" altLang="en-US" smtClean="0"/>
               <a:t>第二级</a:t>
             </a:r>
-            <a:endParaRPr lang="zh-CN" altLang="en-US" smtClean="0"/>
           </a:p>
           <a:p>
             <a:pPr lvl="2"/>
@@ -1211,7 +1207,6 @@
               <a:rPr lang="zh-CN" altLang="en-US" smtClean="0"/>
               <a:t>第三级</a:t>
             </a:r>
-            <a:endParaRPr lang="zh-CN" altLang="en-US" smtClean="0"/>
           </a:p>
           <a:p>
             <a:pPr lvl="3"/>
@@ -1219,7 +1214,6 @@
               <a:rPr lang="zh-CN" altLang="en-US" smtClean="0"/>
               <a:t>第四级</a:t>
             </a:r>
-            <a:endParaRPr lang="zh-CN" altLang="en-US" smtClean="0"/>
           </a:p>
           <a:p>
             <a:pPr lvl="4"/>
@@ -1248,6 +1242,7 @@
           <a:p>
             <a:fld id="{D997B5FA-0921-464F-AAE1-844C04324D75}" type="datetimeFigureOut">
               <a:rPr lang="zh-CN" altLang="en-US" smtClean="0"/>
+              <a:t>2022/3/13</a:t>
             </a:fld>
             <a:endParaRPr lang="zh-CN" altLang="en-US"/>
           </a:p>
@@ -1289,6 +1284,7 @@
           <a:p>
             <a:fld id="{565CE74E-AB26-4998-AD42-012C4C1AD076}" type="slidenum">
               <a:rPr lang="zh-CN" altLang="en-US" smtClean="0"/>
+              <a:t>‹#›</a:t>
             </a:fld>
             <a:endParaRPr lang="zh-CN" altLang="en-US"/>
           </a:p>
@@ -1409,7 +1405,6 @@
               <a:rPr lang="zh-CN" altLang="en-US" smtClean="0"/>
               <a:t>单击此处编辑母版文本样式</a:t>
             </a:r>
-            <a:endParaRPr lang="zh-CN" altLang="en-US" smtClean="0"/>
           </a:p>
         </p:txBody>
       </p:sp>
@@ -1438,7 +1433,6 @@
               <a:rPr lang="zh-CN" altLang="en-US" smtClean="0"/>
               <a:t>单击此处编辑母版文本样式</a:t>
             </a:r>
-            <a:endParaRPr lang="zh-CN" altLang="en-US" smtClean="0"/>
           </a:p>
           <a:p>
             <a:pPr lvl="1"/>
@@ -1446,7 +1440,6 @@
               <a:rPr lang="zh-CN" altLang="en-US" smtClean="0"/>
               <a:t>第二级</a:t>
             </a:r>
-            <a:endParaRPr lang="zh-CN" altLang="en-US" smtClean="0"/>
           </a:p>
           <a:p>
             <a:pPr lvl="2"/>
@@ -1454,7 +1447,6 @@
               <a:rPr lang="zh-CN" altLang="en-US" smtClean="0"/>
               <a:t>第三级</a:t>
             </a:r>
-            <a:endParaRPr lang="zh-CN" altLang="en-US" smtClean="0"/>
           </a:p>
           <a:p>
             <a:pPr lvl="3"/>
@@ -1462,7 +1454,6 @@
               <a:rPr lang="zh-CN" altLang="en-US" smtClean="0"/>
               <a:t>第四级</a:t>
             </a:r>
-            <a:endParaRPr lang="zh-CN" altLang="en-US" smtClean="0"/>
           </a:p>
           <a:p>
             <a:pPr lvl="4"/>
@@ -1536,7 +1527,6 @@
               <a:rPr lang="zh-CN" altLang="en-US" smtClean="0"/>
               <a:t>单击此处编辑母版文本样式</a:t>
             </a:r>
-            <a:endParaRPr lang="zh-CN" altLang="en-US" smtClean="0"/>
           </a:p>
         </p:txBody>
       </p:sp>
@@ -1565,7 +1555,6 @@
               <a:rPr lang="zh-CN" altLang="en-US" smtClean="0"/>
               <a:t>单击此处编辑母版文本样式</a:t>
             </a:r>
-            <a:endParaRPr lang="zh-CN" altLang="en-US" smtClean="0"/>
           </a:p>
           <a:p>
             <a:pPr lvl="1"/>
@@ -1573,7 +1562,6 @@
               <a:rPr lang="zh-CN" altLang="en-US" smtClean="0"/>
               <a:t>第二级</a:t>
             </a:r>
-            <a:endParaRPr lang="zh-CN" altLang="en-US" smtClean="0"/>
           </a:p>
           <a:p>
             <a:pPr lvl="2"/>
@@ -1581,7 +1569,6 @@
               <a:rPr lang="zh-CN" altLang="en-US" smtClean="0"/>
               <a:t>第三级</a:t>
             </a:r>
-            <a:endParaRPr lang="zh-CN" altLang="en-US" smtClean="0"/>
           </a:p>
           <a:p>
             <a:pPr lvl="3"/>
@@ -1589,7 +1576,6 @@
               <a:rPr lang="zh-CN" altLang="en-US" smtClean="0"/>
               <a:t>第四级</a:t>
             </a:r>
-            <a:endParaRPr lang="zh-CN" altLang="en-US" smtClean="0"/>
           </a:p>
           <a:p>
             <a:pPr lvl="4"/>
@@ -1618,6 +1604,7 @@
           <a:p>
             <a:fld id="{D997B5FA-0921-464F-AAE1-844C04324D75}" type="datetimeFigureOut">
               <a:rPr lang="zh-CN" altLang="en-US" smtClean="0"/>
+              <a:t>2022/3/13</a:t>
             </a:fld>
             <a:endParaRPr lang="zh-CN" altLang="en-US"/>
           </a:p>
@@ -1659,6 +1646,7 @@
           <a:p>
             <a:fld id="{565CE74E-AB26-4998-AD42-012C4C1AD076}" type="slidenum">
               <a:rPr lang="zh-CN" altLang="en-US" smtClean="0"/>
+              <a:t>‹#›</a:t>
             </a:fld>
             <a:endParaRPr lang="zh-CN" altLang="en-US"/>
           </a:p>
@@ -1729,6 +1717,7 @@
           <a:p>
             <a:fld id="{D997B5FA-0921-464F-AAE1-844C04324D75}" type="datetimeFigureOut">
               <a:rPr lang="zh-CN" altLang="en-US" smtClean="0"/>
+              <a:t>2022/3/13</a:t>
             </a:fld>
             <a:endParaRPr lang="zh-CN" altLang="en-US"/>
           </a:p>
@@ -1770,6 +1759,7 @@
           <a:p>
             <a:fld id="{565CE74E-AB26-4998-AD42-012C4C1AD076}" type="slidenum">
               <a:rPr lang="zh-CN" altLang="en-US" smtClean="0"/>
+              <a:t>‹#›</a:t>
             </a:fld>
             <a:endParaRPr lang="zh-CN" altLang="en-US"/>
           </a:p>
@@ -1817,6 +1807,7 @@
           <a:p>
             <a:fld id="{D997B5FA-0921-464F-AAE1-844C04324D75}" type="datetimeFigureOut">
               <a:rPr lang="zh-CN" altLang="en-US" smtClean="0"/>
+              <a:t>2022/3/13</a:t>
             </a:fld>
             <a:endParaRPr lang="zh-CN" altLang="en-US"/>
           </a:p>
@@ -1858,6 +1849,7 @@
           <a:p>
             <a:fld id="{565CE74E-AB26-4998-AD42-012C4C1AD076}" type="slidenum">
               <a:rPr lang="zh-CN" altLang="en-US" smtClean="0"/>
+              <a:t>‹#›</a:t>
             </a:fld>
             <a:endParaRPr lang="zh-CN" altLang="en-US"/>
           </a:p>
@@ -1973,7 +1965,6 @@
               <a:rPr lang="zh-CN" altLang="en-US" smtClean="0"/>
               <a:t>单击此处编辑母版文本样式</a:t>
             </a:r>
-            <a:endParaRPr lang="zh-CN" altLang="en-US" smtClean="0"/>
           </a:p>
           <a:p>
             <a:pPr lvl="1"/>
@@ -1981,7 +1972,6 @@
               <a:rPr lang="zh-CN" altLang="en-US" smtClean="0"/>
               <a:t>第二级</a:t>
             </a:r>
-            <a:endParaRPr lang="zh-CN" altLang="en-US" smtClean="0"/>
           </a:p>
           <a:p>
             <a:pPr lvl="2"/>
@@ -1989,7 +1979,6 @@
               <a:rPr lang="zh-CN" altLang="en-US" smtClean="0"/>
               <a:t>第三级</a:t>
             </a:r>
-            <a:endParaRPr lang="zh-CN" altLang="en-US" smtClean="0"/>
           </a:p>
           <a:p>
             <a:pPr lvl="3"/>
@@ -1997,7 +1986,6 @@
               <a:rPr lang="zh-CN" altLang="en-US" smtClean="0"/>
               <a:t>第四级</a:t>
             </a:r>
-            <a:endParaRPr lang="zh-CN" altLang="en-US" smtClean="0"/>
           </a:p>
           <a:p>
             <a:pPr lvl="4"/>
@@ -2071,7 +2059,6 @@
               <a:rPr lang="zh-CN" altLang="en-US" smtClean="0"/>
               <a:t>单击此处编辑母版文本样式</a:t>
             </a:r>
-            <a:endParaRPr lang="zh-CN" altLang="en-US" smtClean="0"/>
           </a:p>
         </p:txBody>
       </p:sp>
@@ -2092,6 +2079,7 @@
           <a:p>
             <a:fld id="{D997B5FA-0921-464F-AAE1-844C04324D75}" type="datetimeFigureOut">
               <a:rPr lang="zh-CN" altLang="en-US" smtClean="0"/>
+              <a:t>2022/3/13</a:t>
             </a:fld>
             <a:endParaRPr lang="zh-CN" altLang="en-US"/>
           </a:p>
@@ -2133,6 +2121,7 @@
           <a:p>
             <a:fld id="{565CE74E-AB26-4998-AD42-012C4C1AD076}" type="slidenum">
               <a:rPr lang="zh-CN" altLang="en-US" smtClean="0"/>
+              <a:t>‹#›</a:t>
             </a:fld>
             <a:endParaRPr lang="zh-CN" altLang="en-US"/>
           </a:p>
@@ -2318,7 +2307,6 @@
               <a:rPr lang="zh-CN" altLang="en-US" smtClean="0"/>
               <a:t>单击此处编辑母版文本样式</a:t>
             </a:r>
-            <a:endParaRPr lang="zh-CN" altLang="en-US" smtClean="0"/>
           </a:p>
         </p:txBody>
       </p:sp>
@@ -2339,6 +2327,7 @@
           <a:p>
             <a:fld id="{D997B5FA-0921-464F-AAE1-844C04324D75}" type="datetimeFigureOut">
               <a:rPr lang="zh-CN" altLang="en-US" smtClean="0"/>
+              <a:t>2022/3/13</a:t>
             </a:fld>
             <a:endParaRPr lang="zh-CN" altLang="en-US"/>
           </a:p>
@@ -2380,6 +2369,7 @@
           <a:p>
             <a:fld id="{565CE74E-AB26-4998-AD42-012C4C1AD076}" type="slidenum">
               <a:rPr lang="zh-CN" altLang="en-US" smtClean="0"/>
+              <a:t>‹#›</a:t>
             </a:fld>
             <a:endParaRPr lang="zh-CN" altLang="en-US"/>
           </a:p>
@@ -2478,7 +2468,6 @@
               <a:rPr lang="zh-CN" altLang="en-US" smtClean="0"/>
               <a:t>单击此处编辑母版文本样式</a:t>
             </a:r>
-            <a:endParaRPr lang="zh-CN" altLang="en-US" smtClean="0"/>
           </a:p>
           <a:p>
             <a:pPr lvl="1"/>
@@ -2486,7 +2475,6 @@
               <a:rPr lang="zh-CN" altLang="en-US" smtClean="0"/>
               <a:t>第二级</a:t>
             </a:r>
-            <a:endParaRPr lang="zh-CN" altLang="en-US" smtClean="0"/>
           </a:p>
           <a:p>
             <a:pPr lvl="2"/>
@@ -2494,7 +2482,6 @@
               <a:rPr lang="zh-CN" altLang="en-US" smtClean="0"/>
               <a:t>第三级</a:t>
             </a:r>
-            <a:endParaRPr lang="zh-CN" altLang="en-US" smtClean="0"/>
           </a:p>
           <a:p>
             <a:pPr lvl="3"/>
@@ -2502,7 +2489,6 @@
               <a:rPr lang="zh-CN" altLang="en-US" smtClean="0"/>
               <a:t>第四级</a:t>
             </a:r>
-            <a:endParaRPr lang="zh-CN" altLang="en-US" smtClean="0"/>
           </a:p>
           <a:p>
             <a:pPr lvl="4"/>
@@ -2549,6 +2535,7 @@
           <a:p>
             <a:fld id="{D997B5FA-0921-464F-AAE1-844C04324D75}" type="datetimeFigureOut">
               <a:rPr lang="zh-CN" altLang="en-US" smtClean="0"/>
+              <a:t>2022/3/13</a:t>
             </a:fld>
             <a:endParaRPr lang="zh-CN" altLang="en-US"/>
           </a:p>
@@ -2626,6 +2613,7 @@
           <a:p>
             <a:fld id="{565CE74E-AB26-4998-AD42-012C4C1AD076}" type="slidenum">
               <a:rPr lang="zh-CN" altLang="en-US" smtClean="0"/>
+              <a:t>‹#›</a:t>
             </a:fld>
             <a:endParaRPr lang="zh-CN" altLang="en-US"/>
           </a:p>
@@ -2939,7 +2927,14 @@
         <p:cNvGrpSpPr/>
         <p:nvPr/>
       </p:nvGrpSpPr>
-      <p:grpSpPr/>
+      <p:grpSpPr>
+        <a:xfrm>
+          <a:off x="0" y="0"/>
+          <a:ext cx="0" cy="0"/>
+          <a:chOff x="0" y="0"/>
+          <a:chExt cx="0" cy="0"/>
+        </a:xfrm>
+      </p:grpSpPr>
       <p:grpSp>
         <p:nvGrpSpPr>
           <p:cNvPr id="29" name="组合 28"/>
@@ -3024,13 +3019,13 @@
               <a:bodyPr wrap="square" rtlCol="0" anchor="t">
                 <a:spAutoFit/>
               </a:bodyPr>
+              <a:lstStyle/>
               <a:p>
                 <a:pPr algn="dist"/>
                 <a:r>
                   <a:rPr lang="zh-CN" altLang="en-US" sz="3200" b="1" i="1"/>
                   <a:t>Kalman-and-Bayesian-Filters-in-Python</a:t>
                 </a:r>
-                <a:endParaRPr lang="zh-CN" altLang="en-US" sz="3200" b="1" i="1"/>
               </a:p>
             </p:txBody>
           </p:sp>
@@ -3085,11 +3080,14 @@
                 <a:avLst/>
               </a:prstGeom>
               <a:blipFill rotWithShape="1">
-                <a:blip r:embed="rId1"/>
+                <a:blip r:embed="rId2"/>
                 <a:stretch>
                   <a:fillRect/>
                 </a:stretch>
               </a:blipFill>
+              <a:ln>
+                <a:noFill/>
+              </a:ln>
             </p:spPr>
             <p:style>
               <a:lnRef idx="2">
@@ -3109,6 +3107,7 @@
             </p:style>
             <p:txBody>
               <a:bodyPr rtlCol="0" anchor="ctr"/>
+              <a:lstStyle/>
               <a:p>
                 <a:pPr algn="ctr"/>
                 <a:endParaRPr lang="zh-CN" altLang="en-US"/>
@@ -3139,7 +3138,7 @@
               <p:nvPr/>
             </p:nvPicPr>
             <p:blipFill>
-              <a:blip r:embed="rId2"/>
+              <a:blip r:embed="rId3"/>
               <a:stretch>
                 <a:fillRect/>
               </a:stretch>
@@ -3174,12 +3173,12 @@
               <a:bodyPr wrap="square" rtlCol="0" anchor="t">
                 <a:spAutoFit/>
               </a:bodyPr>
+              <a:lstStyle/>
               <a:p>
                 <a:r>
                   <a:rPr lang="zh-CN" altLang="en-US" sz="4800" b="1"/>
                   <a:t>Preface</a:t>
                 </a:r>
-                <a:endParaRPr lang="zh-CN" altLang="en-US" sz="4800" b="1"/>
               </a:p>
             </p:txBody>
           </p:sp>
@@ -3256,6 +3255,7 @@
               <a:bodyPr wrap="square" rtlCol="0">
                 <a:spAutoFit/>
               </a:bodyPr>
+              <a:lstStyle/>
               <a:p>
                 <a:r>
                   <a:rPr lang="en-US" altLang="zh-CN" sz="2400" b="1"/>
@@ -3266,16 +3266,10 @@
                     <a:solidFill>
                       <a:srgbClr val="00B050"/>
                     </a:solidFill>
-                    <a:hlinkClick r:id="rId3" action="ppaction://hlinkfile"/>
+                    <a:hlinkClick r:id="rId4" action="ppaction://hlinkfile"/>
                   </a:rPr>
                   <a:t>https://github.com/duyongquan/LTSLAM</a:t>
                 </a:r>
-                <a:endParaRPr lang="en-US" altLang="zh-CN" sz="2400" b="1">
-                  <a:solidFill>
-                    <a:srgbClr val="00B050"/>
-                  </a:solidFill>
-                  <a:hlinkClick r:id="rId3" action="ppaction://hlinkfile"/>
-                </a:endParaRPr>
               </a:p>
             </p:txBody>
           </p:sp>
@@ -3296,6 +3290,9 @@
               <a:solidFill>
                 <a:srgbClr val="00B050"/>
               </a:solidFill>
+              <a:ln>
+                <a:noFill/>
+              </a:ln>
             </p:spPr>
             <p:style>
               <a:lnRef idx="2">
@@ -3315,6 +3312,7 @@
             </p:style>
             <p:txBody>
               <a:bodyPr rtlCol="0" anchor="ctr"/>
+              <a:lstStyle/>
               <a:p>
                 <a:pPr algn="ctr"/>
                 <a:endParaRPr lang="zh-CN" altLang="en-US"/>
@@ -3330,7 +3328,7 @@
               <p:nvPr/>
             </p:nvPicPr>
             <p:blipFill>
-              <a:blip r:embed="rId4"/>
+              <a:blip r:embed="rId5"/>
               <a:stretch>
                 <a:fillRect/>
               </a:stretch>
@@ -3380,6 +3378,7 @@
               <a:bodyPr wrap="none" rtlCol="0">
                 <a:spAutoFit/>
               </a:bodyPr>
+              <a:lstStyle/>
               <a:p>
                 <a:pPr algn="ctr"/>
                 <a:r>
@@ -3425,11 +3424,6 @@
                   </a:rPr>
                   <a:t>quandy2020@126.com</a:t>
                 </a:r>
-                <a:endParaRPr lang="en-US" altLang="zh-CN" sz="2000" b="1">
-                  <a:solidFill>
-                    <a:srgbClr val="801A24"/>
-                  </a:solidFill>
-                </a:endParaRPr>
               </a:p>
             </p:txBody>
           </p:sp>
@@ -3448,11 +3442,14 @@
                 <a:avLst/>
               </a:prstGeom>
               <a:blipFill rotWithShape="1">
-                <a:blip r:embed="rId5"/>
+                <a:blip r:embed="rId6"/>
                 <a:stretch>
                   <a:fillRect/>
                 </a:stretch>
               </a:blipFill>
+              <a:ln>
+                <a:noFill/>
+              </a:ln>
             </p:spPr>
             <p:style>
               <a:lnRef idx="2">
@@ -3472,6 +3469,7 @@
             </p:style>
             <p:txBody>
               <a:bodyPr rtlCol="0" anchor="ctr"/>
+              <a:lstStyle/>
               <a:p>
                 <a:pPr algn="ctr"/>
                 <a:endParaRPr lang="zh-CN" altLang="en-US"/>
@@ -3497,7 +3495,14 @@
         <p:cNvGrpSpPr/>
         <p:nvPr/>
       </p:nvGrpSpPr>
-      <p:grpSpPr/>
+      <p:grpSpPr>
+        <a:xfrm>
+          <a:off x="0" y="0"/>
+          <a:ext cx="0" cy="0"/>
+          <a:chOff x="0" y="0"/>
+          <a:chExt cx="0" cy="0"/>
+        </a:xfrm>
+      </p:grpSpPr>
       <p:grpSp>
         <p:nvGrpSpPr>
           <p:cNvPr id="6" name="组合 5"/>
@@ -3615,6 +3620,9 @@
               <a:solidFill>
                 <a:srgbClr val="00B050"/>
               </a:solidFill>
+              <a:ln>
+                <a:noFill/>
+              </a:ln>
             </p:spPr>
             <p:style>
               <a:lnRef idx="2">
@@ -3634,6 +3642,7 @@
             </p:style>
             <p:txBody>
               <a:bodyPr rtlCol="0" anchor="ctr"/>
+              <a:lstStyle/>
               <a:p>
                 <a:pPr algn="ctr"/>
                 <a:r>
@@ -3643,10 +3652,6 @@
                   </a:rPr>
                   <a:t>10</a:t>
                 </a:r>
-                <a:endParaRPr lang="en-US" altLang="zh-CN" sz="2800">
-                  <a:latin typeface="微软雅黑" panose="020B0503020204020204" charset="-122"/>
-                  <a:ea typeface="微软雅黑" panose="020B0503020204020204" charset="-122"/>
-                </a:endParaRPr>
               </a:p>
             </p:txBody>
           </p:sp>
@@ -3670,6 +3675,7 @@
               <a:bodyPr wrap="none" rtlCol="0">
                 <a:spAutoFit/>
               </a:bodyPr>
+              <a:lstStyle/>
               <a:p>
                 <a:pPr algn="l"/>
                 <a:r>
@@ -3678,9 +3684,6 @@
                   </a:rPr>
                   <a:t>PDF Version</a:t>
                 </a:r>
-                <a:endParaRPr lang="zh-CN" altLang="en-US" sz="4400" b="1">
-                  <a:sym typeface="+mn-ea"/>
-                </a:endParaRPr>
               </a:p>
             </p:txBody>
           </p:sp>
@@ -3720,12 +3723,12 @@
             <a:bodyPr wrap="square" rtlCol="0" anchor="t">
               <a:spAutoFit/>
             </a:bodyPr>
+            <a:lstStyle/>
             <a:p>
               <a:r>
                 <a:rPr lang="en-US" altLang="zh-CN" sz="2400"/>
                 <a:t>PDF book</a:t>
               </a:r>
-              <a:endParaRPr lang="en-US" altLang="zh-CN" sz="2400"/>
             </a:p>
           </p:txBody>
         </p:sp>
@@ -3782,6 +3785,7 @@
             </p:style>
             <p:txBody>
               <a:bodyPr rtlCol="0" anchor="ctr"/>
+              <a:lstStyle/>
               <a:p>
                 <a:pPr algn="ctr"/>
                 <a:endParaRPr lang="zh-CN" altLang="en-US"/>
@@ -3828,6 +3832,7 @@
             </p:style>
             <p:txBody>
               <a:bodyPr rtlCol="0" anchor="ctr"/>
+              <a:lstStyle/>
               <a:p>
                 <a:pPr algn="ctr"/>
                 <a:endParaRPr lang="zh-CN" altLang="en-US"/>
@@ -3889,6 +3894,7 @@
           </p:style>
           <p:txBody>
             <a:bodyPr rtlCol="0" anchor="ctr"/>
+            <a:lstStyle/>
             <a:p>
               <a:pPr algn="ctr"/>
               <a:endParaRPr lang="zh-CN" altLang="en-US"/>
@@ -3915,25 +3921,22 @@
             <a:bodyPr wrap="none" rtlCol="0" anchor="t">
               <a:spAutoFit/>
             </a:bodyPr>
+            <a:lstStyle/>
             <a:p>
               <a:pPr algn="l"/>
               <a:r>
                 <a:rPr lang="zh-CN" altLang="en-US" sz="1400">
                   <a:sym typeface="+mn-ea"/>
-                  <a:hlinkClick r:id="rId1" tooltip="" action="ppaction://hlinkfile"/>
+                  <a:hlinkClick r:id="rId2" action="ppaction://hlinkfile"/>
                 </a:rPr>
                 <a:t>https://drive.google.com/file/d/0By_SW19c1BfhSVFzNHc0SjduNzg/view?resourcekey=0-41olC9ht9xE3wQe2zHZ45A</a:t>
               </a:r>
-              <a:endParaRPr lang="zh-CN" altLang="en-US" sz="1400">
-                <a:sym typeface="+mn-ea"/>
-                <a:hlinkClick r:id="rId1" tooltip="" action="ppaction://hlinkfile"/>
-              </a:endParaRPr>
             </a:p>
             <a:p>
               <a:pPr algn="l"/>
               <a:endParaRPr lang="zh-CN" altLang="en-US" sz="1400">
                 <a:sym typeface="+mn-ea"/>
-                <a:hlinkClick r:id="rId1" tooltip="" action="ppaction://hlinkfile"/>
+                <a:hlinkClick r:id="rId2" action="ppaction://hlinkfile"/>
               </a:endParaRPr>
             </a:p>
           </p:txBody>
@@ -3948,7 +3951,7 @@
           <p:nvPr/>
         </p:nvPicPr>
         <p:blipFill>
-          <a:blip r:embed="rId2"/>
+          <a:blip r:embed="rId3"/>
           <a:stretch>
             <a:fillRect/>
           </a:stretch>
@@ -3972,7 +3975,7 @@
           <p:nvPr/>
         </p:nvPicPr>
         <p:blipFill>
-          <a:blip r:embed="rId3"/>
+          <a:blip r:embed="rId4"/>
           <a:stretch>
             <a:fillRect/>
           </a:stretch>
@@ -4004,7 +4007,14 @@
         <p:cNvGrpSpPr/>
         <p:nvPr/>
       </p:nvGrpSpPr>
-      <p:grpSpPr/>
+      <p:grpSpPr>
+        <a:xfrm>
+          <a:off x="0" y="0"/>
+          <a:ext cx="0" cy="0"/>
+          <a:chOff x="0" y="0"/>
+          <a:chExt cx="0" cy="0"/>
+        </a:xfrm>
+      </p:grpSpPr>
       <p:cxnSp>
         <p:nvCxnSpPr>
           <p:cNvPr id="4" name="直接连接符 3"/>
@@ -4061,6 +4071,7 @@
           <a:bodyPr wrap="none" rtlCol="0" anchor="t">
             <a:spAutoFit/>
           </a:bodyPr>
+          <a:lstStyle/>
           <a:p>
             <a:pPr algn="l"/>
             <a:r>
@@ -4069,9 +4080,6 @@
               </a:rPr>
               <a:t>Downloading and Running </a:t>
             </a:r>
-            <a:endParaRPr lang="zh-CN" altLang="en-US" sz="5400" b="1">
-              <a:sym typeface="+mn-ea"/>
-            </a:endParaRPr>
           </a:p>
           <a:p>
             <a:pPr algn="ctr"/>
@@ -4152,6 +4160,7 @@
           <a:bodyPr wrap="none" rtlCol="0" anchor="t">
             <a:spAutoFit/>
           </a:bodyPr>
+          <a:lstStyle/>
           <a:p>
             <a:r>
               <a:rPr lang="zh-CN" altLang="en-US" sz="5400" b="1">
@@ -4159,9 +4168,6 @@
               </a:rPr>
               <a:t>下载和运行</a:t>
             </a:r>
-            <a:endParaRPr lang="zh-CN" altLang="en-US" sz="5400" b="1">
-              <a:sym typeface="+mn-ea"/>
-            </a:endParaRPr>
           </a:p>
         </p:txBody>
       </p:sp>
@@ -4182,6 +4188,9 @@
           <a:solidFill>
             <a:srgbClr val="00B050"/>
           </a:solidFill>
+          <a:ln>
+            <a:noFill/>
+          </a:ln>
         </p:spPr>
         <p:style>
           <a:lnRef idx="2">
@@ -4201,6 +4210,7 @@
         </p:style>
         <p:txBody>
           <a:bodyPr rtlCol="0" anchor="ctr"/>
+          <a:lstStyle/>
           <a:p>
             <a:pPr algn="ctr"/>
             <a:r>
@@ -4210,10 +4220,6 @@
               </a:rPr>
               <a:t>11</a:t>
             </a:r>
-            <a:endParaRPr lang="en-US" altLang="zh-CN" sz="2800">
-              <a:latin typeface="微软雅黑" panose="020B0503020204020204" charset="-122"/>
-              <a:ea typeface="微软雅黑" panose="020B0503020204020204" charset="-122"/>
-            </a:endParaRPr>
           </a:p>
         </p:txBody>
       </p:sp>
@@ -4234,7 +4240,14 @@
         <p:cNvGrpSpPr/>
         <p:nvPr/>
       </p:nvGrpSpPr>
-      <p:grpSpPr/>
+      <p:grpSpPr>
+        <a:xfrm>
+          <a:off x="0" y="0"/>
+          <a:ext cx="0" cy="0"/>
+          <a:chOff x="0" y="0"/>
+          <a:chExt cx="0" cy="0"/>
+        </a:xfrm>
+      </p:grpSpPr>
       <p:grpSp>
         <p:nvGrpSpPr>
           <p:cNvPr id="6" name="组合 5"/>
@@ -4354,6 +4367,9 @@
               <a:solidFill>
                 <a:srgbClr val="00B050"/>
               </a:solidFill>
+              <a:ln>
+                <a:noFill/>
+              </a:ln>
             </p:spPr>
             <p:style>
               <a:lnRef idx="2">
@@ -4373,6 +4389,7 @@
             </p:style>
             <p:txBody>
               <a:bodyPr rtlCol="0" anchor="ctr"/>
+              <a:lstStyle/>
               <a:p>
                 <a:pPr algn="ctr"/>
                 <a:r>
@@ -4382,10 +4399,6 @@
                   </a:rPr>
                   <a:t>12</a:t>
                 </a:r>
-                <a:endParaRPr lang="en-US" altLang="zh-CN" sz="2800">
-                  <a:latin typeface="微软雅黑" panose="020B0503020204020204" charset="-122"/>
-                  <a:ea typeface="微软雅黑" panose="020B0503020204020204" charset="-122"/>
-                </a:endParaRPr>
               </a:p>
             </p:txBody>
           </p:sp>
@@ -4409,6 +4422,7 @@
               <a:bodyPr wrap="none" rtlCol="0">
                 <a:spAutoFit/>
               </a:bodyPr>
+              <a:lstStyle/>
               <a:p>
                 <a:pPr algn="l"/>
                 <a:r>
@@ -4417,9 +4431,6 @@
                   </a:rPr>
                   <a:t>Downloading and Running the Book</a:t>
                 </a:r>
-                <a:endParaRPr lang="zh-CN" altLang="en-US" sz="4400" b="1">
-                  <a:sym typeface="+mn-ea"/>
-                </a:endParaRPr>
               </a:p>
             </p:txBody>
           </p:sp>
@@ -4459,12 +4470,12 @@
             <a:bodyPr wrap="square" rtlCol="0" anchor="t">
               <a:spAutoFit/>
             </a:bodyPr>
+            <a:lstStyle/>
             <a:p>
               <a:r>
                 <a:rPr lang="en-US" altLang="zh-CN" sz="2400"/>
                 <a:t>Installation</a:t>
               </a:r>
-              <a:endParaRPr lang="en-US" altLang="zh-CN" sz="2400"/>
             </a:p>
           </p:txBody>
         </p:sp>
@@ -4521,6 +4532,7 @@
             </p:style>
             <p:txBody>
               <a:bodyPr rtlCol="0" anchor="ctr"/>
+              <a:lstStyle/>
               <a:p>
                 <a:pPr algn="ctr"/>
                 <a:endParaRPr lang="zh-CN" altLang="en-US"/>
@@ -4567,6 +4579,7 @@
             </p:style>
             <p:txBody>
               <a:bodyPr rtlCol="0" anchor="ctr"/>
+              <a:lstStyle/>
               <a:p>
                 <a:pPr algn="ctr"/>
                 <a:endParaRPr lang="zh-CN" altLang="en-US"/>
@@ -4628,6 +4641,7 @@
           </p:style>
           <p:txBody>
             <a:bodyPr rtlCol="0" anchor="ctr"/>
+            <a:lstStyle/>
             <a:p>
               <a:pPr algn="ctr"/>
               <a:endParaRPr lang="zh-CN" altLang="en-US"/>
@@ -4654,12 +4668,13 @@
             <a:bodyPr wrap="none" rtlCol="0" anchor="t">
               <a:spAutoFit/>
             </a:bodyPr>
+            <a:lstStyle/>
             <a:p>
               <a:pPr algn="l"/>
               <a:r>
                 <a:rPr lang="zh-CN" altLang="en-US" sz="1400">
                   <a:sym typeface="+mn-ea"/>
-                  <a:hlinkClick r:id="rId1" tooltip=""/>
+                  <a:hlinkClick r:id="rId2"/>
                 </a:rPr>
                 <a:t>http://nbviewer.ipython.org/github/rlabbe/Kalman-and-Bayesian-Filters-in-Python/blob/master/Appendix-A-Installation.ipynb</a:t>
               </a:r>
@@ -4696,6 +4711,7 @@
           <a:bodyPr wrap="square" rtlCol="0" anchor="t">
             <a:spAutoFit/>
           </a:bodyPr>
+          <a:lstStyle/>
           <a:p>
             <a:r>
               <a:rPr lang="en-US" altLang="zh-CN"/>
@@ -4709,7 +4725,6 @@
               <a:rPr lang="en-US" altLang="zh-CN"/>
               <a:t>.</a:t>
             </a:r>
-            <a:endParaRPr lang="en-US" altLang="zh-CN"/>
           </a:p>
           <a:p>
             <a:r>
@@ -4720,7 +4735,6 @@
               <a:rPr lang="en-US" altLang="zh-CN"/>
               <a:t>.</a:t>
             </a:r>
-            <a:endParaRPr lang="en-US" altLang="zh-CN"/>
           </a:p>
           <a:p>
             <a:r>
@@ -4735,7 +4749,6 @@
               <a:rPr lang="zh-CN" altLang="en-US"/>
               <a:t>see how filters react to different data, see how different filters react to the same data, and so on</a:t>
             </a:r>
-            <a:endParaRPr lang="zh-CN" altLang="en-US"/>
           </a:p>
         </p:txBody>
       </p:sp>
@@ -4806,6 +4819,7 @@
             </p:style>
             <p:txBody>
               <a:bodyPr rtlCol="0" anchor="ctr"/>
+              <a:lstStyle/>
               <a:p>
                 <a:pPr algn="ctr"/>
                 <a:endParaRPr lang="zh-CN" altLang="en-US"/>
@@ -4852,6 +4866,7 @@
             </p:style>
             <p:txBody>
               <a:bodyPr rtlCol="0" anchor="ctr"/>
+              <a:lstStyle/>
               <a:p>
                 <a:pPr algn="ctr"/>
                 <a:endParaRPr lang="zh-CN" altLang="en-US"/>
@@ -4879,12 +4894,12 @@
             <a:bodyPr wrap="square" rtlCol="0" anchor="t">
               <a:spAutoFit/>
             </a:bodyPr>
+            <a:lstStyle/>
             <a:p>
               <a:r>
                 <a:rPr lang="en-US" altLang="zh-CN" sz="2400"/>
                 <a:t>Introduce </a:t>
               </a:r>
-              <a:endParaRPr lang="en-US" altLang="zh-CN" sz="2400"/>
             </a:p>
           </p:txBody>
         </p:sp>
@@ -4906,7 +4921,14 @@
         <p:cNvGrpSpPr/>
         <p:nvPr/>
       </p:nvGrpSpPr>
-      <p:grpSpPr/>
+      <p:grpSpPr>
+        <a:xfrm>
+          <a:off x="0" y="0"/>
+          <a:ext cx="0" cy="0"/>
+          <a:chOff x="0" y="0"/>
+          <a:chExt cx="0" cy="0"/>
+        </a:xfrm>
+      </p:grpSpPr>
       <p:cxnSp>
         <p:nvCxnSpPr>
           <p:cNvPr id="4" name="直接连接符 3"/>
@@ -4963,6 +4985,7 @@
           <a:bodyPr wrap="none" rtlCol="0" anchor="t">
             <a:spAutoFit/>
           </a:bodyPr>
+          <a:lstStyle/>
           <a:p>
             <a:pPr algn="l"/>
             <a:r>
@@ -5042,6 +5065,7 @@
           <a:bodyPr wrap="none" rtlCol="0" anchor="t">
             <a:spAutoFit/>
           </a:bodyPr>
+          <a:lstStyle/>
           <a:p>
             <a:r>
               <a:rPr lang="zh-CN" altLang="en-US" sz="5400" b="1">
@@ -5049,9 +5073,6 @@
               </a:rPr>
               <a:t>开发环境</a:t>
             </a:r>
-            <a:endParaRPr lang="zh-CN" altLang="en-US" sz="5400" b="1">
-              <a:sym typeface="+mn-ea"/>
-            </a:endParaRPr>
           </a:p>
         </p:txBody>
       </p:sp>
@@ -5072,6 +5093,9 @@
           <a:solidFill>
             <a:srgbClr val="00B050"/>
           </a:solidFill>
+          <a:ln>
+            <a:noFill/>
+          </a:ln>
         </p:spPr>
         <p:style>
           <a:lnRef idx="2">
@@ -5091,6 +5115,7 @@
         </p:style>
         <p:txBody>
           <a:bodyPr rtlCol="0" anchor="ctr"/>
+          <a:lstStyle/>
           <a:p>
             <a:pPr algn="ctr"/>
             <a:r>
@@ -5100,10 +5125,6 @@
               </a:rPr>
               <a:t>13</a:t>
             </a:r>
-            <a:endParaRPr lang="en-US" altLang="zh-CN" sz="2800">
-              <a:latin typeface="微软雅黑" panose="020B0503020204020204" charset="-122"/>
-              <a:ea typeface="微软雅黑" panose="020B0503020204020204" charset="-122"/>
-            </a:endParaRPr>
           </a:p>
         </p:txBody>
       </p:sp>
@@ -5124,7 +5145,14 @@
         <p:cNvGrpSpPr/>
         <p:nvPr/>
       </p:nvGrpSpPr>
-      <p:grpSpPr/>
+      <p:grpSpPr>
+        <a:xfrm>
+          <a:off x="0" y="0"/>
+          <a:ext cx="0" cy="0"/>
+          <a:chOff x="0" y="0"/>
+          <a:chExt cx="0" cy="0"/>
+        </a:xfrm>
+      </p:grpSpPr>
       <p:grpSp>
         <p:nvGrpSpPr>
           <p:cNvPr id="12" name="组合 11"/>
@@ -5159,12 +5187,12 @@
             <a:bodyPr wrap="square" rtlCol="0" anchor="t">
               <a:spAutoFit/>
             </a:bodyPr>
+            <a:lstStyle/>
             <a:p>
               <a:r>
                 <a:rPr lang="en-US" altLang="zh-CN" sz="2400"/>
                 <a:t>jupyter notebook</a:t>
               </a:r>
-              <a:endParaRPr lang="en-US" altLang="zh-CN" sz="2400"/>
             </a:p>
           </p:txBody>
         </p:sp>
@@ -5221,6 +5249,7 @@
             </p:style>
             <p:txBody>
               <a:bodyPr rtlCol="0" anchor="ctr"/>
+              <a:lstStyle/>
               <a:p>
                 <a:pPr algn="ctr"/>
                 <a:endParaRPr lang="zh-CN" altLang="en-US"/>
@@ -5267,6 +5296,7 @@
             </p:style>
             <p:txBody>
               <a:bodyPr rtlCol="0" anchor="ctr"/>
+              <a:lstStyle/>
               <a:p>
                 <a:pPr algn="ctr"/>
                 <a:endParaRPr lang="zh-CN" altLang="en-US"/>
@@ -5328,6 +5358,7 @@
           </p:style>
           <p:txBody>
             <a:bodyPr rtlCol="0" anchor="ctr"/>
+            <a:lstStyle/>
             <a:p>
               <a:pPr algn="ctr"/>
               <a:endParaRPr lang="zh-CN" altLang="en-US"/>
@@ -5354,6 +5385,7 @@
             <a:bodyPr wrap="none" rtlCol="0" anchor="t">
               <a:spAutoFit/>
             </a:bodyPr>
+            <a:lstStyle/>
             <a:p>
               <a:pPr algn="l"/>
               <a:r>
@@ -5366,13 +5398,7 @@
                 <a:rPr lang="en-US" altLang="zh-CN" sz="1400">
                   <a:sym typeface="+mn-ea"/>
                 </a:rPr>
-                <a:t>A</a:t>
-              </a:r>
-              <a:r>
-                <a:rPr lang="en-US" altLang="zh-CN" sz="1400">
-                  <a:sym typeface="+mn-ea"/>
-                </a:rPr>
-                <a:t>naconda</a:t>
+                <a:t>Anaconda</a:t>
               </a:r>
               <a:endParaRPr lang="zh-CN" altLang="en-US" sz="1400">
                 <a:sym typeface="+mn-ea"/>
@@ -5396,7 +5422,7 @@
           <p:nvPr/>
         </p:nvPicPr>
         <p:blipFill>
-          <a:blip r:embed="rId1"/>
+          <a:blip r:embed="rId2"/>
           <a:srcRect b="2746"/>
           <a:stretch>
             <a:fillRect/>
@@ -5529,6 +5555,9 @@
               <a:solidFill>
                 <a:srgbClr val="00B050"/>
               </a:solidFill>
+              <a:ln>
+                <a:noFill/>
+              </a:ln>
             </p:spPr>
             <p:style>
               <a:lnRef idx="2">
@@ -5548,6 +5577,7 @@
             </p:style>
             <p:txBody>
               <a:bodyPr rtlCol="0" anchor="ctr"/>
+              <a:lstStyle/>
               <a:p>
                 <a:pPr algn="ctr"/>
                 <a:r>
@@ -5557,10 +5587,6 @@
                   </a:rPr>
                   <a:t>14</a:t>
                 </a:r>
-                <a:endParaRPr lang="en-US" altLang="zh-CN" sz="2800">
-                  <a:latin typeface="微软雅黑" panose="020B0503020204020204" charset="-122"/>
-                  <a:ea typeface="微软雅黑" panose="020B0503020204020204" charset="-122"/>
-                </a:endParaRPr>
               </a:p>
             </p:txBody>
           </p:sp>
@@ -5584,6 +5610,7 @@
               <a:bodyPr wrap="none" rtlCol="0">
                 <a:spAutoFit/>
               </a:bodyPr>
+              <a:lstStyle/>
               <a:p>
                 <a:pPr algn="l"/>
                 <a:r>
@@ -5592,9 +5619,6 @@
                   </a:rPr>
                   <a:t>Jupyter</a:t>
                 </a:r>
-                <a:endParaRPr lang="zh-CN" altLang="en-US" sz="4400" b="1">
-                  <a:sym typeface="+mn-ea"/>
-                </a:endParaRPr>
               </a:p>
             </p:txBody>
           </p:sp>
@@ -5617,7 +5641,14 @@
         <p:cNvGrpSpPr/>
         <p:nvPr/>
       </p:nvGrpSpPr>
-      <p:grpSpPr/>
+      <p:grpSpPr>
+        <a:xfrm>
+          <a:off x="0" y="0"/>
+          <a:ext cx="0" cy="0"/>
+          <a:chOff x="0" y="0"/>
+          <a:chExt cx="0" cy="0"/>
+        </a:xfrm>
+      </p:grpSpPr>
       <p:cxnSp>
         <p:nvCxnSpPr>
           <p:cNvPr id="4" name="直接连接符 3"/>
@@ -5674,6 +5705,7 @@
           <a:bodyPr wrap="none" rtlCol="0" anchor="t">
             <a:spAutoFit/>
           </a:bodyPr>
+          <a:lstStyle/>
           <a:p>
             <a:pPr algn="l"/>
             <a:r>
@@ -5682,9 +5714,6 @@
               </a:rPr>
               <a:t>SciPy, NumPy, and Matplotlib</a:t>
             </a:r>
-            <a:endParaRPr lang="zh-CN" altLang="en-US" sz="5400" b="1">
-              <a:sym typeface="+mn-ea"/>
-            </a:endParaRPr>
           </a:p>
           <a:p>
             <a:endParaRPr lang="zh-CN" altLang="en-US" sz="5400" b="1">
@@ -5749,6 +5778,7 @@
           <a:bodyPr wrap="none" rtlCol="0" anchor="t">
             <a:spAutoFit/>
           </a:bodyPr>
+          <a:lstStyle/>
           <a:p>
             <a:r>
               <a:rPr lang="en-US" altLang="zh-CN" sz="5400" b="1">
@@ -5762,9 +5792,6 @@
               </a:rPr>
               <a:t>库</a:t>
             </a:r>
-            <a:endParaRPr lang="zh-CN" altLang="en-US" sz="5400" b="1">
-              <a:sym typeface="+mn-ea"/>
-            </a:endParaRPr>
           </a:p>
         </p:txBody>
       </p:sp>
@@ -5785,6 +5812,9 @@
           <a:solidFill>
             <a:srgbClr val="00B050"/>
           </a:solidFill>
+          <a:ln>
+            <a:noFill/>
+          </a:ln>
         </p:spPr>
         <p:style>
           <a:lnRef idx="2">
@@ -5804,6 +5834,7 @@
         </p:style>
         <p:txBody>
           <a:bodyPr rtlCol="0" anchor="ctr"/>
+          <a:lstStyle/>
           <a:p>
             <a:pPr algn="ctr"/>
             <a:r>
@@ -5813,10 +5844,6 @@
               </a:rPr>
               <a:t>15</a:t>
             </a:r>
-            <a:endParaRPr lang="en-US" altLang="zh-CN" sz="2800">
-              <a:latin typeface="微软雅黑" panose="020B0503020204020204" charset="-122"/>
-              <a:ea typeface="微软雅黑" panose="020B0503020204020204" charset="-122"/>
-            </a:endParaRPr>
           </a:p>
         </p:txBody>
       </p:sp>
@@ -5837,7 +5864,14 @@
         <p:cNvGrpSpPr/>
         <p:nvPr/>
       </p:nvGrpSpPr>
-      <p:grpSpPr/>
+      <p:grpSpPr>
+        <a:xfrm>
+          <a:off x="0" y="0"/>
+          <a:ext cx="0" cy="0"/>
+          <a:chOff x="0" y="0"/>
+          <a:chExt cx="0" cy="0"/>
+        </a:xfrm>
+      </p:grpSpPr>
       <p:grpSp>
         <p:nvGrpSpPr>
           <p:cNvPr id="21" name="组合 20"/>
@@ -5955,6 +5989,9 @@
               <a:solidFill>
                 <a:srgbClr val="00B050"/>
               </a:solidFill>
+              <a:ln>
+                <a:noFill/>
+              </a:ln>
             </p:spPr>
             <p:style>
               <a:lnRef idx="2">
@@ -5974,6 +6011,7 @@
             </p:style>
             <p:txBody>
               <a:bodyPr rtlCol="0" anchor="ctr"/>
+              <a:lstStyle/>
               <a:p>
                 <a:pPr algn="ctr"/>
                 <a:r>
@@ -5983,10 +6021,6 @@
                   </a:rPr>
                   <a:t>16</a:t>
                 </a:r>
-                <a:endParaRPr lang="en-US" altLang="zh-CN" sz="2800">
-                  <a:latin typeface="微软雅黑" panose="020B0503020204020204" charset="-122"/>
-                  <a:ea typeface="微软雅黑" panose="020B0503020204020204" charset="-122"/>
-                </a:endParaRPr>
               </a:p>
             </p:txBody>
           </p:sp>
@@ -6010,6 +6044,7 @@
               <a:bodyPr wrap="none" rtlCol="0">
                 <a:spAutoFit/>
               </a:bodyPr>
+              <a:lstStyle/>
               <a:p>
                 <a:pPr algn="l"/>
                 <a:r>
@@ -6018,9 +6053,6 @@
                   </a:rPr>
                   <a:t>SciPy, NumPy, and Matplotlib</a:t>
                 </a:r>
-                <a:endParaRPr lang="zh-CN" altLang="en-US" sz="4400" b="1">
-                  <a:sym typeface="+mn-ea"/>
-                </a:endParaRPr>
               </a:p>
             </p:txBody>
           </p:sp>
@@ -6060,6 +6092,7 @@
             <a:bodyPr wrap="square" rtlCol="0" anchor="t">
               <a:spAutoFit/>
             </a:bodyPr>
+            <a:lstStyle/>
             <a:p>
               <a:r>
                 <a:rPr lang="zh-CN" altLang="en-US" sz="2400">
@@ -6124,6 +6157,7 @@
             </p:style>
             <p:txBody>
               <a:bodyPr rtlCol="0" anchor="ctr"/>
+              <a:lstStyle/>
               <a:p>
                 <a:pPr algn="ctr"/>
                 <a:endParaRPr lang="zh-CN" altLang="en-US"/>
@@ -6170,6 +6204,7 @@
             </p:style>
             <p:txBody>
               <a:bodyPr rtlCol="0" anchor="ctr"/>
+              <a:lstStyle/>
               <a:p>
                 <a:pPr algn="ctr"/>
                 <a:endParaRPr lang="zh-CN" altLang="en-US"/>
@@ -6231,6 +6266,7 @@
           </p:style>
           <p:txBody>
             <a:bodyPr rtlCol="0" anchor="ctr"/>
+            <a:lstStyle/>
             <a:p>
               <a:pPr algn="ctr"/>
               <a:endParaRPr lang="zh-CN" altLang="en-US"/>
@@ -6257,6 +6293,7 @@
             <a:bodyPr wrap="none" rtlCol="0" anchor="t">
               <a:spAutoFit/>
             </a:bodyPr>
+            <a:lstStyle/>
             <a:p>
               <a:pPr algn="l"/>
               <a:r>
@@ -6325,6 +6362,7 @@
           </p:style>
           <p:txBody>
             <a:bodyPr rtlCol="0" anchor="ctr"/>
+            <a:lstStyle/>
             <a:p>
               <a:pPr algn="ctr"/>
               <a:endParaRPr lang="zh-CN" altLang="en-US"/>
@@ -6351,6 +6389,7 @@
             <a:bodyPr wrap="none" rtlCol="0" anchor="t">
               <a:spAutoFit/>
             </a:bodyPr>
+            <a:lstStyle/>
             <a:p>
               <a:pPr algn="l"/>
               <a:r>
@@ -6359,9 +6398,6 @@
                 </a:rPr>
                 <a:t>linear algebra</a:t>
               </a:r>
-              <a:endParaRPr lang="zh-CN" altLang="en-US">
-                <a:sym typeface="+mn-ea"/>
-              </a:endParaRPr>
             </a:p>
           </p:txBody>
         </p:sp>
@@ -6419,6 +6455,7 @@
           </p:style>
           <p:txBody>
             <a:bodyPr rtlCol="0" anchor="ctr"/>
+            <a:lstStyle/>
             <a:p>
               <a:pPr algn="ctr"/>
               <a:endParaRPr lang="zh-CN" altLang="en-US"/>
@@ -6445,6 +6482,7 @@
             <a:bodyPr wrap="none" rtlCol="0" anchor="t">
               <a:spAutoFit/>
             </a:bodyPr>
+            <a:lstStyle/>
             <a:p>
               <a:pPr algn="l"/>
               <a:r>
@@ -6453,9 +6491,6 @@
                 </a:rPr>
                 <a:t>random numbers</a:t>
               </a:r>
-              <a:endParaRPr lang="zh-CN" altLang="en-US">
-                <a:sym typeface="+mn-ea"/>
-              </a:endParaRPr>
             </a:p>
           </p:txBody>
         </p:sp>
@@ -6494,6 +6529,7 @@
             <a:bodyPr wrap="square" rtlCol="0" anchor="t">
               <a:spAutoFit/>
             </a:bodyPr>
+            <a:lstStyle/>
             <a:p>
               <a:r>
                 <a:rPr lang="zh-CN" altLang="en-US" sz="2400">
@@ -6558,6 +6594,7 @@
             </p:style>
             <p:txBody>
               <a:bodyPr rtlCol="0" anchor="ctr"/>
+              <a:lstStyle/>
               <a:p>
                 <a:pPr algn="ctr"/>
                 <a:endParaRPr lang="zh-CN" altLang="en-US"/>
@@ -6604,6 +6641,7 @@
             </p:style>
             <p:txBody>
               <a:bodyPr rtlCol="0" anchor="ctr"/>
+              <a:lstStyle/>
               <a:p>
                 <a:pPr algn="ctr"/>
                 <a:endParaRPr lang="zh-CN" altLang="en-US"/>
@@ -6646,6 +6684,7 @@
             <a:bodyPr wrap="square" rtlCol="0" anchor="t">
               <a:spAutoFit/>
             </a:bodyPr>
+            <a:lstStyle/>
             <a:p>
               <a:r>
                 <a:rPr lang="zh-CN" altLang="en-US" sz="2400">
@@ -6710,6 +6749,7 @@
             </p:style>
             <p:txBody>
               <a:bodyPr rtlCol="0" anchor="ctr"/>
+              <a:lstStyle/>
               <a:p>
                 <a:pPr algn="ctr"/>
                 <a:endParaRPr lang="zh-CN" altLang="en-US"/>
@@ -6756,6 +6796,7 @@
             </p:style>
             <p:txBody>
               <a:bodyPr rtlCol="0" anchor="ctr"/>
+              <a:lstStyle/>
               <a:p>
                 <a:pPr algn="ctr"/>
                 <a:endParaRPr lang="zh-CN" altLang="en-US"/>
@@ -6817,6 +6858,7 @@
           </p:style>
           <p:txBody>
             <a:bodyPr rtlCol="0" anchor="ctr"/>
+            <a:lstStyle/>
             <a:p>
               <a:pPr algn="ctr"/>
               <a:endParaRPr lang="zh-CN" altLang="en-US"/>
@@ -6843,6 +6885,7 @@
             <a:bodyPr wrap="none" rtlCol="0" anchor="t">
               <a:spAutoFit/>
             </a:bodyPr>
+            <a:lstStyle/>
             <a:p>
               <a:pPr algn="l"/>
               <a:r>
@@ -6854,7 +6897,7 @@
               <a:r>
                 <a:rPr lang="zh-CN" altLang="en-US">
                   <a:sym typeface="+mn-ea"/>
-                  <a:hlinkClick r:id="rId1" action="ppaction://hlinkfile"/>
+                  <a:hlinkClick r:id="rId2" action="ppaction://hlinkfile"/>
                 </a:rPr>
                 <a:t>https://scipy.org/</a:t>
               </a:r>
@@ -6918,6 +6961,7 @@
           </p:style>
           <p:txBody>
             <a:bodyPr rtlCol="0" anchor="ctr"/>
+            <a:lstStyle/>
             <a:p>
               <a:pPr algn="ctr"/>
               <a:endParaRPr lang="zh-CN" altLang="en-US"/>
@@ -6944,12 +6988,13 @@
             <a:bodyPr wrap="none" rtlCol="0" anchor="t">
               <a:spAutoFit/>
             </a:bodyPr>
+            <a:lstStyle/>
             <a:p>
               <a:pPr algn="l"/>
               <a:r>
                 <a:rPr lang="zh-CN" altLang="en-US">
                   <a:sym typeface="+mn-ea"/>
-                  <a:hlinkClick r:id="rId2" tooltip="" action="ppaction://hlinkfile"/>
+                  <a:hlinkClick r:id="rId3" action="ppaction://hlinkfile"/>
                 </a:rPr>
                 <a:t>https://matplotlib.org/stable/tutorials/index</a:t>
               </a:r>
@@ -6969,7 +7014,7 @@
           <p:nvPr/>
         </p:nvPicPr>
         <p:blipFill>
-          <a:blip r:embed="rId3"/>
+          <a:blip r:embed="rId4"/>
           <a:stretch>
             <a:fillRect/>
           </a:stretch>
@@ -7001,7 +7046,14 @@
         <p:cNvGrpSpPr/>
         <p:nvPr/>
       </p:nvGrpSpPr>
-      <p:grpSpPr/>
+      <p:grpSpPr>
+        <a:xfrm>
+          <a:off x="0" y="0"/>
+          <a:ext cx="0" cy="0"/>
+          <a:chOff x="0" y="0"/>
+          <a:chExt cx="0" cy="0"/>
+        </a:xfrm>
+      </p:grpSpPr>
       <p:grpSp>
         <p:nvGrpSpPr>
           <p:cNvPr id="21" name="组合 20"/>
@@ -7119,6 +7171,9 @@
               <a:solidFill>
                 <a:srgbClr val="00B050"/>
               </a:solidFill>
+              <a:ln>
+                <a:noFill/>
+              </a:ln>
             </p:spPr>
             <p:style>
               <a:lnRef idx="2">
@@ -7138,6 +7193,7 @@
             </p:style>
             <p:txBody>
               <a:bodyPr rtlCol="0" anchor="ctr"/>
+              <a:lstStyle/>
               <a:p>
                 <a:pPr algn="ctr"/>
                 <a:r>
@@ -7147,10 +7203,6 @@
                   </a:rPr>
                   <a:t>17</a:t>
                 </a:r>
-                <a:endParaRPr lang="en-US" altLang="zh-CN" sz="2800">
-                  <a:latin typeface="微软雅黑" panose="020B0503020204020204" charset="-122"/>
-                  <a:ea typeface="微软雅黑" panose="020B0503020204020204" charset="-122"/>
-                </a:endParaRPr>
               </a:p>
             </p:txBody>
           </p:sp>
@@ -7174,6 +7226,7 @@
               <a:bodyPr wrap="none" rtlCol="0">
                 <a:spAutoFit/>
               </a:bodyPr>
+              <a:lstStyle/>
               <a:p>
                 <a:pPr algn="l"/>
                 <a:r>
@@ -7182,9 +7235,6 @@
                   </a:rPr>
                   <a:t>SciPy, NumPy, and Matplotlib</a:t>
                 </a:r>
-                <a:endParaRPr lang="zh-CN" altLang="en-US" sz="4400" b="1">
-                  <a:sym typeface="+mn-ea"/>
-                </a:endParaRPr>
               </a:p>
             </p:txBody>
           </p:sp>
@@ -7224,6 +7274,7 @@
             <a:bodyPr wrap="square" rtlCol="0" anchor="t">
               <a:spAutoFit/>
             </a:bodyPr>
+            <a:lstStyle/>
             <a:p>
               <a:r>
                 <a:rPr lang="zh-CN" altLang="en-US" sz="2400">
@@ -7288,6 +7339,7 @@
             </p:style>
             <p:txBody>
               <a:bodyPr rtlCol="0" anchor="ctr"/>
+              <a:lstStyle/>
               <a:p>
                 <a:pPr algn="ctr"/>
                 <a:endParaRPr lang="zh-CN" altLang="en-US"/>
@@ -7334,6 +7386,7 @@
             </p:style>
             <p:txBody>
               <a:bodyPr rtlCol="0" anchor="ctr"/>
+              <a:lstStyle/>
               <a:p>
                 <a:pPr algn="ctr"/>
                 <a:endParaRPr lang="zh-CN" altLang="en-US"/>
@@ -7381,6 +7434,7 @@
         </p:style>
         <p:txBody>
           <a:bodyPr rtlCol="0" anchor="ctr"/>
+          <a:lstStyle/>
           <a:p>
             <a:pPr algn="ctr"/>
             <a:endParaRPr lang="zh-CN" altLang="en-US"/>
@@ -7396,7 +7450,7 @@
           <p:nvPr/>
         </p:nvPicPr>
         <p:blipFill>
-          <a:blip r:embed="rId1"/>
+          <a:blip r:embed="rId2"/>
           <a:stretch>
             <a:fillRect/>
           </a:stretch>
@@ -7428,7 +7482,14 @@
         <p:cNvGrpSpPr/>
         <p:nvPr/>
       </p:nvGrpSpPr>
-      <p:grpSpPr/>
+      <p:grpSpPr>
+        <a:xfrm>
+          <a:off x="0" y="0"/>
+          <a:ext cx="0" cy="0"/>
+          <a:chOff x="0" y="0"/>
+          <a:chExt cx="0" cy="0"/>
+        </a:xfrm>
+      </p:grpSpPr>
       <p:grpSp>
         <p:nvGrpSpPr>
           <p:cNvPr id="21" name="组合 20"/>
@@ -7546,6 +7607,9 @@
               <a:solidFill>
                 <a:srgbClr val="00B050"/>
               </a:solidFill>
+              <a:ln>
+                <a:noFill/>
+              </a:ln>
             </p:spPr>
             <p:style>
               <a:lnRef idx="2">
@@ -7565,6 +7629,7 @@
             </p:style>
             <p:txBody>
               <a:bodyPr rtlCol="0" anchor="ctr"/>
+              <a:lstStyle/>
               <a:p>
                 <a:pPr algn="ctr"/>
                 <a:r>
@@ -7574,10 +7639,6 @@
                   </a:rPr>
                   <a:t>18</a:t>
                 </a:r>
-                <a:endParaRPr lang="en-US" altLang="zh-CN" sz="2800">
-                  <a:latin typeface="微软雅黑" panose="020B0503020204020204" charset="-122"/>
-                  <a:ea typeface="微软雅黑" panose="020B0503020204020204" charset="-122"/>
-                </a:endParaRPr>
               </a:p>
             </p:txBody>
           </p:sp>
@@ -7601,6 +7662,7 @@
               <a:bodyPr wrap="none" rtlCol="0">
                 <a:spAutoFit/>
               </a:bodyPr>
+              <a:lstStyle/>
               <a:p>
                 <a:pPr algn="l"/>
                 <a:r>
@@ -7609,9 +7671,6 @@
                   </a:rPr>
                   <a:t>SciPy, NumPy, and Matplotlib</a:t>
                 </a:r>
-                <a:endParaRPr lang="zh-CN" altLang="en-US" sz="4400" b="1">
-                  <a:sym typeface="+mn-ea"/>
-                </a:endParaRPr>
               </a:p>
             </p:txBody>
           </p:sp>
@@ -7651,6 +7710,7 @@
             <a:bodyPr wrap="square" rtlCol="0" anchor="t">
               <a:spAutoFit/>
             </a:bodyPr>
+            <a:lstStyle/>
             <a:p>
               <a:r>
                 <a:rPr lang="zh-CN" altLang="en-US" sz="2400">
@@ -7715,6 +7775,7 @@
             </p:style>
             <p:txBody>
               <a:bodyPr rtlCol="0" anchor="ctr"/>
+              <a:lstStyle/>
               <a:p>
                 <a:pPr algn="ctr"/>
                 <a:endParaRPr lang="zh-CN" altLang="en-US"/>
@@ -7761,6 +7822,7 @@
             </p:style>
             <p:txBody>
               <a:bodyPr rtlCol="0" anchor="ctr"/>
+              <a:lstStyle/>
               <a:p>
                 <a:pPr algn="ctr"/>
                 <a:endParaRPr lang="zh-CN" altLang="en-US"/>
@@ -7808,6 +7870,7 @@
         </p:style>
         <p:txBody>
           <a:bodyPr rtlCol="0" anchor="ctr"/>
+          <a:lstStyle/>
           <a:p>
             <a:pPr algn="ctr"/>
             <a:endParaRPr lang="zh-CN" altLang="en-US"/>
@@ -7823,7 +7886,7 @@
           <p:nvPr/>
         </p:nvPicPr>
         <p:blipFill>
-          <a:blip r:embed="rId1"/>
+          <a:blip r:embed="rId2"/>
           <a:stretch>
             <a:fillRect/>
           </a:stretch>
@@ -7847,7 +7910,7 @@
           <p:nvPr/>
         </p:nvPicPr>
         <p:blipFill>
-          <a:blip r:embed="rId2"/>
+          <a:blip r:embed="rId3"/>
           <a:stretch>
             <a:fillRect/>
           </a:stretch>
@@ -7901,6 +7964,7 @@
         </p:style>
         <p:txBody>
           <a:bodyPr rtlCol="0" anchor="ctr"/>
+          <a:lstStyle/>
           <a:p>
             <a:pPr algn="ctr"/>
             <a:endParaRPr lang="zh-CN" altLang="en-US"/>
@@ -7924,7 +7988,14 @@
         <p:cNvGrpSpPr/>
         <p:nvPr/>
       </p:nvGrpSpPr>
-      <p:grpSpPr/>
+      <p:grpSpPr>
+        <a:xfrm>
+          <a:off x="0" y="0"/>
+          <a:ext cx="0" cy="0"/>
+          <a:chOff x="0" y="0"/>
+          <a:chExt cx="0" cy="0"/>
+        </a:xfrm>
+      </p:grpSpPr>
       <p:grpSp>
         <p:nvGrpSpPr>
           <p:cNvPr id="21" name="组合 20"/>
@@ -8042,6 +8113,9 @@
               <a:solidFill>
                 <a:srgbClr val="00B050"/>
               </a:solidFill>
+              <a:ln>
+                <a:noFill/>
+              </a:ln>
             </p:spPr>
             <p:style>
               <a:lnRef idx="2">
@@ -8061,6 +8135,7 @@
             </p:style>
             <p:txBody>
               <a:bodyPr rtlCol="0" anchor="ctr"/>
+              <a:lstStyle/>
               <a:p>
                 <a:pPr algn="ctr"/>
                 <a:r>
@@ -8070,10 +8145,6 @@
                   </a:rPr>
                   <a:t>19</a:t>
                 </a:r>
-                <a:endParaRPr lang="en-US" altLang="zh-CN" sz="2800">
-                  <a:latin typeface="微软雅黑" panose="020B0503020204020204" charset="-122"/>
-                  <a:ea typeface="微软雅黑" panose="020B0503020204020204" charset="-122"/>
-                </a:endParaRPr>
               </a:p>
             </p:txBody>
           </p:sp>
@@ -8097,6 +8168,7 @@
               <a:bodyPr wrap="none" rtlCol="0">
                 <a:spAutoFit/>
               </a:bodyPr>
+              <a:lstStyle/>
               <a:p>
                 <a:pPr algn="l"/>
                 <a:r>
@@ -8105,9 +8177,6 @@
                   </a:rPr>
                   <a:t>SciPy, NumPy, and Matplotlib</a:t>
                 </a:r>
-                <a:endParaRPr lang="zh-CN" altLang="en-US" sz="4400" b="1">
-                  <a:sym typeface="+mn-ea"/>
-                </a:endParaRPr>
               </a:p>
             </p:txBody>
           </p:sp>
@@ -8147,6 +8216,7 @@
             <a:bodyPr wrap="square" rtlCol="0" anchor="t">
               <a:spAutoFit/>
             </a:bodyPr>
+            <a:lstStyle/>
             <a:p>
               <a:r>
                 <a:rPr lang="zh-CN" altLang="en-US" sz="2400">
@@ -8211,6 +8281,7 @@
             </p:style>
             <p:txBody>
               <a:bodyPr rtlCol="0" anchor="ctr"/>
+              <a:lstStyle/>
               <a:p>
                 <a:pPr algn="ctr"/>
                 <a:endParaRPr lang="zh-CN" altLang="en-US"/>
@@ -8257,6 +8328,7 @@
             </p:style>
             <p:txBody>
               <a:bodyPr rtlCol="0" anchor="ctr"/>
+              <a:lstStyle/>
               <a:p>
                 <a:pPr algn="ctr"/>
                 <a:endParaRPr lang="zh-CN" altLang="en-US"/>
@@ -8304,6 +8376,7 @@
         </p:style>
         <p:txBody>
           <a:bodyPr rtlCol="0" anchor="ctr"/>
+          <a:lstStyle/>
           <a:p>
             <a:pPr algn="ctr"/>
             <a:endParaRPr lang="zh-CN" altLang="en-US"/>
@@ -8349,6 +8422,7 @@
         </p:style>
         <p:txBody>
           <a:bodyPr rtlCol="0" anchor="ctr"/>
+          <a:lstStyle/>
           <a:p>
             <a:pPr algn="ctr"/>
             <a:endParaRPr lang="zh-CN" altLang="en-US"/>
@@ -8364,7 +8438,7 @@
           <p:nvPr/>
         </p:nvPicPr>
         <p:blipFill>
-          <a:blip r:embed="rId1"/>
+          <a:blip r:embed="rId2"/>
           <a:stretch>
             <a:fillRect/>
           </a:stretch>
@@ -8388,7 +8462,7 @@
           <p:nvPr/>
         </p:nvPicPr>
         <p:blipFill>
-          <a:blip r:embed="rId2"/>
+          <a:blip r:embed="rId3"/>
           <a:stretch>
             <a:fillRect/>
           </a:stretch>
@@ -8420,7 +8494,14 @@
         <p:cNvGrpSpPr/>
         <p:nvPr/>
       </p:nvGrpSpPr>
-      <p:grpSpPr/>
+      <p:grpSpPr>
+        <a:xfrm>
+          <a:off x="0" y="0"/>
+          <a:ext cx="0" cy="0"/>
+          <a:chOff x="0" y="0"/>
+          <a:chExt cx="0" cy="0"/>
+        </a:xfrm>
+      </p:grpSpPr>
       <p:cxnSp>
         <p:nvCxnSpPr>
           <p:cNvPr id="4" name="直接连接符 3"/>
@@ -8524,6 +8605,9 @@
             <a:solidFill>
               <a:srgbClr val="00B050"/>
             </a:solidFill>
+            <a:ln>
+              <a:noFill/>
+            </a:ln>
           </p:spPr>
           <p:style>
             <a:lnRef idx="2">
@@ -8543,19 +8627,16 @@
           </p:style>
           <p:txBody>
             <a:bodyPr rtlCol="0" anchor="ctr"/>
+            <a:lstStyle/>
             <a:p>
               <a:pPr algn="ctr"/>
               <a:r>
-                <a:rPr lang="en-US" altLang="zh-CN" sz="4800">
+                <a:rPr lang="en-US" altLang="zh-CN" sz="4800" dirty="0">
                   <a:latin typeface="微软雅黑" panose="020B0503020204020204" charset="-122"/>
                   <a:ea typeface="微软雅黑" panose="020B0503020204020204" charset="-122"/>
                 </a:rPr>
                 <a:t>2</a:t>
               </a:r>
-              <a:endParaRPr lang="en-US" altLang="zh-CN" sz="4800">
-                <a:latin typeface="微软雅黑" panose="020B0503020204020204" charset="-122"/>
-                <a:ea typeface="微软雅黑" panose="020B0503020204020204" charset="-122"/>
-              </a:endParaRPr>
             </a:p>
           </p:txBody>
         </p:sp>
@@ -8579,12 +8660,12 @@
             <a:bodyPr wrap="none" rtlCol="0">
               <a:spAutoFit/>
             </a:bodyPr>
+            <a:lstStyle/>
             <a:p>
               <a:r>
                 <a:rPr lang="en-US" altLang="zh-CN" sz="4400" b="1"/>
                 <a:t>Outline</a:t>
               </a:r>
-              <a:endParaRPr lang="en-US" altLang="zh-CN" sz="4400" b="1"/>
             </a:p>
           </p:txBody>
         </p:sp>
@@ -8637,6 +8718,7 @@
               <a:bodyPr wrap="square" rtlCol="0" anchor="t">
                 <a:spAutoFit/>
               </a:bodyPr>
+              <a:lstStyle/>
               <a:p>
                 <a:r>
                   <a:rPr lang="zh-CN" altLang="en-US" sz="2000"/>
@@ -8657,7 +8739,7 @@
               <p:nvPr/>
             </p:nvGrpSpPr>
             <p:grpSpPr>
-              <a:xfrm rot="0">
+              <a:xfrm>
                 <a:off x="2128" y="2648"/>
                 <a:ext cx="523" cy="511"/>
                 <a:chOff x="13708" y="3122"/>
@@ -8703,6 +8785,7 @@
               </p:style>
               <p:txBody>
                 <a:bodyPr rtlCol="0" anchor="ctr"/>
+                <a:lstStyle/>
                 <a:p>
                   <a:pPr algn="ctr"/>
                   <a:endParaRPr lang="zh-CN" altLang="en-US"/>
@@ -8749,6 +8832,7 @@
               </p:style>
               <p:txBody>
                 <a:bodyPr rtlCol="0" anchor="ctr"/>
+                <a:lstStyle/>
                 <a:p>
                   <a:pPr algn="ctr"/>
                   <a:endParaRPr lang="zh-CN" altLang="en-US"/>
@@ -8791,6 +8875,7 @@
               <a:bodyPr wrap="square" rtlCol="0" anchor="t">
                 <a:spAutoFit/>
               </a:bodyPr>
+              <a:lstStyle/>
               <a:p>
                 <a:r>
                   <a:rPr lang="zh-CN" altLang="en-US" sz="2000">
@@ -8809,7 +8894,7 @@
               <p:nvPr/>
             </p:nvGrpSpPr>
             <p:grpSpPr>
-              <a:xfrm rot="0">
+              <a:xfrm>
                 <a:off x="2128" y="2648"/>
                 <a:ext cx="523" cy="510"/>
                 <a:chOff x="13708" y="3122"/>
@@ -8855,6 +8940,7 @@
               </p:style>
               <p:txBody>
                 <a:bodyPr rtlCol="0" anchor="ctr"/>
+                <a:lstStyle/>
                 <a:p>
                   <a:pPr algn="ctr"/>
                   <a:endParaRPr lang="zh-CN" altLang="en-US"/>
@@ -8901,6 +8987,7 @@
               </p:style>
               <p:txBody>
                 <a:bodyPr rtlCol="0" anchor="ctr"/>
+                <a:lstStyle/>
                 <a:p>
                   <a:pPr algn="ctr"/>
                   <a:endParaRPr lang="zh-CN" altLang="en-US"/>
@@ -8943,6 +9030,7 @@
               <a:bodyPr wrap="square" rtlCol="0" anchor="t">
                 <a:spAutoFit/>
               </a:bodyPr>
+              <a:lstStyle/>
               <a:p>
                 <a:r>
                   <a:rPr lang="zh-CN" altLang="en-US" sz="2000">
@@ -8961,7 +9049,7 @@
               <p:nvPr/>
             </p:nvGrpSpPr>
             <p:grpSpPr>
-              <a:xfrm rot="0">
+              <a:xfrm>
                 <a:off x="2128" y="2648"/>
                 <a:ext cx="523" cy="510"/>
                 <a:chOff x="13708" y="3122"/>
@@ -9007,6 +9095,7 @@
               </p:style>
               <p:txBody>
                 <a:bodyPr rtlCol="0" anchor="ctr"/>
+                <a:lstStyle/>
                 <a:p>
                   <a:pPr algn="ctr"/>
                   <a:endParaRPr lang="zh-CN" altLang="en-US"/>
@@ -9053,6 +9142,7 @@
               </p:style>
               <p:txBody>
                 <a:bodyPr rtlCol="0" anchor="ctr"/>
+                <a:lstStyle/>
                 <a:p>
                   <a:pPr algn="ctr"/>
                   <a:endParaRPr lang="zh-CN" altLang="en-US"/>
@@ -9095,6 +9185,7 @@
               <a:bodyPr wrap="square" rtlCol="0" anchor="t">
                 <a:spAutoFit/>
               </a:bodyPr>
+              <a:lstStyle/>
               <a:p>
                 <a:r>
                   <a:rPr lang="zh-CN" altLang="en-US" sz="2000">
@@ -9113,7 +9204,7 @@
               <p:nvPr/>
             </p:nvGrpSpPr>
             <p:grpSpPr>
-              <a:xfrm rot="0">
+              <a:xfrm>
                 <a:off x="2128" y="2648"/>
                 <a:ext cx="523" cy="510"/>
                 <a:chOff x="13708" y="3122"/>
@@ -9159,6 +9250,7 @@
               </p:style>
               <p:txBody>
                 <a:bodyPr rtlCol="0" anchor="ctr"/>
+                <a:lstStyle/>
                 <a:p>
                   <a:pPr algn="ctr"/>
                   <a:endParaRPr lang="zh-CN" altLang="en-US"/>
@@ -9205,6 +9297,7 @@
               </p:style>
               <p:txBody>
                 <a:bodyPr rtlCol="0" anchor="ctr"/>
+                <a:lstStyle/>
                 <a:p>
                   <a:pPr algn="ctr"/>
                   <a:endParaRPr lang="zh-CN" altLang="en-US"/>
@@ -9247,6 +9340,7 @@
               <a:bodyPr wrap="square" rtlCol="0" anchor="t">
                 <a:spAutoFit/>
               </a:bodyPr>
+              <a:lstStyle/>
               <a:p>
                 <a:r>
                   <a:rPr lang="zh-CN" altLang="en-US" sz="2000">
@@ -9265,7 +9359,7 @@
               <p:nvPr/>
             </p:nvGrpSpPr>
             <p:grpSpPr>
-              <a:xfrm rot="0">
+              <a:xfrm>
                 <a:off x="2128" y="2648"/>
                 <a:ext cx="523" cy="510"/>
                 <a:chOff x="13708" y="3122"/>
@@ -9311,6 +9405,7 @@
               </p:style>
               <p:txBody>
                 <a:bodyPr rtlCol="0" anchor="ctr"/>
+                <a:lstStyle/>
                 <a:p>
                   <a:pPr algn="ctr"/>
                   <a:endParaRPr lang="zh-CN" altLang="en-US"/>
@@ -9357,6 +9452,7 @@
               </p:style>
               <p:txBody>
                 <a:bodyPr rtlCol="0" anchor="ctr"/>
+                <a:lstStyle/>
                 <a:p>
                   <a:pPr algn="ctr"/>
                   <a:endParaRPr lang="zh-CN" altLang="en-US"/>
@@ -9399,6 +9495,7 @@
               <a:bodyPr wrap="square" rtlCol="0" anchor="t">
                 <a:spAutoFit/>
               </a:bodyPr>
+              <a:lstStyle/>
               <a:p>
                 <a:r>
                   <a:rPr lang="zh-CN" altLang="en-US" sz="2000">
@@ -9417,7 +9514,7 @@
               <p:nvPr/>
             </p:nvGrpSpPr>
             <p:grpSpPr>
-              <a:xfrm rot="0">
+              <a:xfrm>
                 <a:off x="2128" y="2648"/>
                 <a:ext cx="523" cy="511"/>
                 <a:chOff x="13708" y="3122"/>
@@ -9463,6 +9560,7 @@
               </p:style>
               <p:txBody>
                 <a:bodyPr rtlCol="0" anchor="ctr"/>
+                <a:lstStyle/>
                 <a:p>
                   <a:pPr algn="ctr"/>
                   <a:endParaRPr lang="zh-CN" altLang="en-US"/>
@@ -9509,6 +9607,7 @@
               </p:style>
               <p:txBody>
                 <a:bodyPr rtlCol="0" anchor="ctr"/>
+                <a:lstStyle/>
                 <a:p>
                   <a:pPr algn="ctr"/>
                   <a:endParaRPr lang="zh-CN" altLang="en-US"/>
@@ -9551,6 +9650,7 @@
               <a:bodyPr wrap="square" rtlCol="0" anchor="t">
                 <a:spAutoFit/>
               </a:bodyPr>
+              <a:lstStyle/>
               <a:p>
                 <a:r>
                   <a:rPr lang="zh-CN" altLang="en-US" sz="2000">
@@ -9569,7 +9669,7 @@
               <p:nvPr/>
             </p:nvGrpSpPr>
             <p:grpSpPr>
-              <a:xfrm rot="0">
+              <a:xfrm>
                 <a:off x="2128" y="2648"/>
                 <a:ext cx="523" cy="510"/>
                 <a:chOff x="13708" y="3122"/>
@@ -9615,6 +9715,7 @@
               </p:style>
               <p:txBody>
                 <a:bodyPr rtlCol="0" anchor="ctr"/>
+                <a:lstStyle/>
                 <a:p>
                   <a:pPr algn="ctr"/>
                   <a:endParaRPr lang="zh-CN" altLang="en-US"/>
@@ -9661,6 +9762,7 @@
               </p:style>
               <p:txBody>
                 <a:bodyPr rtlCol="0" anchor="ctr"/>
+                <a:lstStyle/>
                 <a:p>
                   <a:pPr algn="ctr"/>
                   <a:endParaRPr lang="zh-CN" altLang="en-US"/>
@@ -9687,7 +9789,14 @@
         <p:cNvGrpSpPr/>
         <p:nvPr/>
       </p:nvGrpSpPr>
-      <p:grpSpPr/>
+      <p:grpSpPr>
+        <a:xfrm>
+          <a:off x="0" y="0"/>
+          <a:ext cx="0" cy="0"/>
+          <a:chOff x="0" y="0"/>
+          <a:chExt cx="0" cy="0"/>
+        </a:xfrm>
+      </p:grpSpPr>
       <p:grpSp>
         <p:nvGrpSpPr>
           <p:cNvPr id="21" name="组合 20"/>
@@ -9805,6 +9914,9 @@
               <a:solidFill>
                 <a:srgbClr val="00B050"/>
               </a:solidFill>
+              <a:ln>
+                <a:noFill/>
+              </a:ln>
             </p:spPr>
             <p:style>
               <a:lnRef idx="2">
@@ -9824,6 +9936,7 @@
             </p:style>
             <p:txBody>
               <a:bodyPr rtlCol="0" anchor="ctr"/>
+              <a:lstStyle/>
               <a:p>
                 <a:pPr algn="ctr"/>
                 <a:r>
@@ -9833,10 +9946,6 @@
                   </a:rPr>
                   <a:t>20</a:t>
                 </a:r>
-                <a:endParaRPr lang="en-US" altLang="zh-CN" sz="2800">
-                  <a:latin typeface="微软雅黑" panose="020B0503020204020204" charset="-122"/>
-                  <a:ea typeface="微软雅黑" panose="020B0503020204020204" charset="-122"/>
-                </a:endParaRPr>
               </a:p>
             </p:txBody>
           </p:sp>
@@ -9860,6 +9969,7 @@
               <a:bodyPr wrap="none" rtlCol="0">
                 <a:spAutoFit/>
               </a:bodyPr>
+              <a:lstStyle/>
               <a:p>
                 <a:pPr algn="l"/>
                 <a:r>
@@ -9868,9 +9978,6 @@
                   </a:rPr>
                   <a:t>SciPy, NumPy, and Matplotlib</a:t>
                 </a:r>
-                <a:endParaRPr lang="zh-CN" altLang="en-US" sz="4400" b="1">
-                  <a:sym typeface="+mn-ea"/>
-                </a:endParaRPr>
               </a:p>
             </p:txBody>
           </p:sp>
@@ -9910,6 +10017,7 @@
             <a:bodyPr wrap="square" rtlCol="0" anchor="t">
               <a:spAutoFit/>
             </a:bodyPr>
+            <a:lstStyle/>
             <a:p>
               <a:r>
                 <a:rPr lang="zh-CN" altLang="en-US" sz="2400">
@@ -9974,6 +10082,7 @@
             </p:style>
             <p:txBody>
               <a:bodyPr rtlCol="0" anchor="ctr"/>
+              <a:lstStyle/>
               <a:p>
                 <a:pPr algn="ctr"/>
                 <a:endParaRPr lang="zh-CN" altLang="en-US"/>
@@ -10020,6 +10129,7 @@
             </p:style>
             <p:txBody>
               <a:bodyPr rtlCol="0" anchor="ctr"/>
+              <a:lstStyle/>
               <a:p>
                 <a:pPr algn="ctr"/>
                 <a:endParaRPr lang="zh-CN" altLang="en-US"/>
@@ -10067,6 +10177,7 @@
         </p:style>
         <p:txBody>
           <a:bodyPr rtlCol="0" anchor="ctr"/>
+          <a:lstStyle/>
           <a:p>
             <a:pPr algn="ctr"/>
             <a:endParaRPr lang="zh-CN" altLang="en-US"/>
@@ -10112,6 +10223,7 @@
         </p:style>
         <p:txBody>
           <a:bodyPr rtlCol="0" anchor="ctr"/>
+          <a:lstStyle/>
           <a:p>
             <a:pPr algn="ctr"/>
             <a:endParaRPr lang="zh-CN" altLang="en-US"/>
@@ -10127,7 +10239,7 @@
           <p:nvPr/>
         </p:nvPicPr>
         <p:blipFill>
-          <a:blip r:embed="rId1"/>
+          <a:blip r:embed="rId2"/>
           <a:stretch>
             <a:fillRect/>
           </a:stretch>
@@ -10151,7 +10263,7 @@
           <p:nvPr/>
         </p:nvPicPr>
         <p:blipFill>
-          <a:blip r:embed="rId2"/>
+          <a:blip r:embed="rId3"/>
           <a:stretch>
             <a:fillRect/>
           </a:stretch>
@@ -10183,7 +10295,14 @@
         <p:cNvGrpSpPr/>
         <p:nvPr/>
       </p:nvGrpSpPr>
-      <p:grpSpPr/>
+      <p:grpSpPr>
+        <a:xfrm>
+          <a:off x="0" y="0"/>
+          <a:ext cx="0" cy="0"/>
+          <a:chOff x="0" y="0"/>
+          <a:chExt cx="0" cy="0"/>
+        </a:xfrm>
+      </p:grpSpPr>
       <p:grpSp>
         <p:nvGrpSpPr>
           <p:cNvPr id="21" name="组合 20"/>
@@ -10301,6 +10420,9 @@
               <a:solidFill>
                 <a:srgbClr val="00B050"/>
               </a:solidFill>
+              <a:ln>
+                <a:noFill/>
+              </a:ln>
             </p:spPr>
             <p:style>
               <a:lnRef idx="2">
@@ -10320,6 +10442,7 @@
             </p:style>
             <p:txBody>
               <a:bodyPr rtlCol="0" anchor="ctr"/>
+              <a:lstStyle/>
               <a:p>
                 <a:pPr algn="ctr"/>
                 <a:r>
@@ -10329,10 +10452,6 @@
                   </a:rPr>
                   <a:t>21</a:t>
                 </a:r>
-                <a:endParaRPr lang="en-US" altLang="zh-CN" sz="2800">
-                  <a:latin typeface="微软雅黑" panose="020B0503020204020204" charset="-122"/>
-                  <a:ea typeface="微软雅黑" panose="020B0503020204020204" charset="-122"/>
-                </a:endParaRPr>
               </a:p>
             </p:txBody>
           </p:sp>
@@ -10356,6 +10475,7 @@
               <a:bodyPr wrap="none" rtlCol="0">
                 <a:spAutoFit/>
               </a:bodyPr>
+              <a:lstStyle/>
               <a:p>
                 <a:pPr algn="l"/>
                 <a:r>
@@ -10364,9 +10484,6 @@
                   </a:rPr>
                   <a:t>SciPy, NumPy, and Matplotlib</a:t>
                 </a:r>
-                <a:endParaRPr lang="zh-CN" altLang="en-US" sz="4400" b="1">
-                  <a:sym typeface="+mn-ea"/>
-                </a:endParaRPr>
               </a:p>
             </p:txBody>
           </p:sp>
@@ -10411,6 +10528,7 @@
         </p:style>
         <p:txBody>
           <a:bodyPr rtlCol="0" anchor="ctr"/>
+          <a:lstStyle/>
           <a:p>
             <a:pPr algn="ctr"/>
             <a:endParaRPr lang="zh-CN" altLang="en-US"/>
@@ -10456,6 +10574,7 @@
         </p:style>
         <p:txBody>
           <a:bodyPr rtlCol="0" anchor="ctr"/>
+          <a:lstStyle/>
           <a:p>
             <a:pPr algn="ctr"/>
             <a:endParaRPr lang="zh-CN" altLang="en-US"/>
@@ -10471,7 +10590,7 @@
           <p:nvPr/>
         </p:nvPicPr>
         <p:blipFill>
-          <a:blip r:embed="rId1"/>
+          <a:blip r:embed="rId2"/>
           <a:stretch>
             <a:fillRect/>
           </a:stretch>
@@ -10495,7 +10614,7 @@
           <p:nvPr/>
         </p:nvPicPr>
         <p:blipFill>
-          <a:blip r:embed="rId2"/>
+          <a:blip r:embed="rId3"/>
           <a:stretch>
             <a:fillRect/>
           </a:stretch>
@@ -10527,7 +10646,14 @@
         <p:cNvGrpSpPr/>
         <p:nvPr/>
       </p:nvGrpSpPr>
-      <p:grpSpPr/>
+      <p:grpSpPr>
+        <a:xfrm>
+          <a:off x="0" y="0"/>
+          <a:ext cx="0" cy="0"/>
+          <a:chOff x="0" y="0"/>
+          <a:chExt cx="0" cy="0"/>
+        </a:xfrm>
+      </p:grpSpPr>
       <p:grpSp>
         <p:nvGrpSpPr>
           <p:cNvPr id="21" name="组合 20"/>
@@ -10645,6 +10771,9 @@
               <a:solidFill>
                 <a:srgbClr val="00B050"/>
               </a:solidFill>
+              <a:ln>
+                <a:noFill/>
+              </a:ln>
             </p:spPr>
             <p:style>
               <a:lnRef idx="2">
@@ -10664,6 +10793,7 @@
             </p:style>
             <p:txBody>
               <a:bodyPr rtlCol="0" anchor="ctr"/>
+              <a:lstStyle/>
               <a:p>
                 <a:pPr algn="ctr"/>
                 <a:r>
@@ -10673,10 +10803,6 @@
                   </a:rPr>
                   <a:t>22</a:t>
                 </a:r>
-                <a:endParaRPr lang="en-US" altLang="zh-CN" sz="2800">
-                  <a:latin typeface="微软雅黑" panose="020B0503020204020204" charset="-122"/>
-                  <a:ea typeface="微软雅黑" panose="020B0503020204020204" charset="-122"/>
-                </a:endParaRPr>
               </a:p>
             </p:txBody>
           </p:sp>
@@ -10700,6 +10826,7 @@
               <a:bodyPr wrap="none" rtlCol="0">
                 <a:spAutoFit/>
               </a:bodyPr>
+              <a:lstStyle/>
               <a:p>
                 <a:pPr algn="l"/>
                 <a:r>
@@ -10708,9 +10835,6 @@
                   </a:rPr>
                   <a:t>SciPy, NumPy, and Matplotlib</a:t>
                 </a:r>
-                <a:endParaRPr lang="zh-CN" altLang="en-US" sz="4400" b="1">
-                  <a:sym typeface="+mn-ea"/>
-                </a:endParaRPr>
               </a:p>
             </p:txBody>
           </p:sp>
@@ -10755,6 +10879,7 @@
         </p:style>
         <p:txBody>
           <a:bodyPr rtlCol="0" anchor="ctr"/>
+          <a:lstStyle/>
           <a:p>
             <a:pPr algn="ctr"/>
             <a:endParaRPr lang="zh-CN" altLang="en-US"/>
@@ -10770,7 +10895,7 @@
           <p:nvPr/>
         </p:nvPicPr>
         <p:blipFill>
-          <a:blip r:embed="rId1"/>
+          <a:blip r:embed="rId2"/>
           <a:stretch>
             <a:fillRect/>
           </a:stretch>
@@ -10794,7 +10919,7 @@
           <p:nvPr/>
         </p:nvPicPr>
         <p:blipFill>
-          <a:blip r:embed="rId2"/>
+          <a:blip r:embed="rId3"/>
           <a:stretch>
             <a:fillRect/>
           </a:stretch>
@@ -10818,7 +10943,7 @@
           <p:nvPr/>
         </p:nvPicPr>
         <p:blipFill>
-          <a:blip r:embed="rId3"/>
+          <a:blip r:embed="rId4"/>
           <a:stretch>
             <a:fillRect/>
           </a:stretch>
@@ -10850,7 +10975,14 @@
         <p:cNvGrpSpPr/>
         <p:nvPr/>
       </p:nvGrpSpPr>
-      <p:grpSpPr/>
+      <p:grpSpPr>
+        <a:xfrm>
+          <a:off x="0" y="0"/>
+          <a:ext cx="0" cy="0"/>
+          <a:chOff x="0" y="0"/>
+          <a:chExt cx="0" cy="0"/>
+        </a:xfrm>
+      </p:grpSpPr>
       <p:grpSp>
         <p:nvGrpSpPr>
           <p:cNvPr id="21" name="组合 20"/>
@@ -10968,6 +11100,9 @@
               <a:solidFill>
                 <a:srgbClr val="00B050"/>
               </a:solidFill>
+              <a:ln>
+                <a:noFill/>
+              </a:ln>
             </p:spPr>
             <p:style>
               <a:lnRef idx="2">
@@ -10987,6 +11122,7 @@
             </p:style>
             <p:txBody>
               <a:bodyPr rtlCol="0" anchor="ctr"/>
+              <a:lstStyle/>
               <a:p>
                 <a:pPr algn="ctr"/>
                 <a:r>
@@ -10996,10 +11132,6 @@
                   </a:rPr>
                   <a:t>23</a:t>
                 </a:r>
-                <a:endParaRPr lang="en-US" altLang="zh-CN" sz="2800">
-                  <a:latin typeface="微软雅黑" panose="020B0503020204020204" charset="-122"/>
-                  <a:ea typeface="微软雅黑" panose="020B0503020204020204" charset="-122"/>
-                </a:endParaRPr>
               </a:p>
             </p:txBody>
           </p:sp>
@@ -11023,6 +11155,7 @@
               <a:bodyPr wrap="none" rtlCol="0">
                 <a:spAutoFit/>
               </a:bodyPr>
+              <a:lstStyle/>
               <a:p>
                 <a:pPr algn="l"/>
                 <a:r>
@@ -11031,9 +11164,6 @@
                   </a:rPr>
                   <a:t>SciPy, NumPy, and Matplotlib</a:t>
                 </a:r>
-                <a:endParaRPr lang="zh-CN" altLang="en-US" sz="4400" b="1">
-                  <a:sym typeface="+mn-ea"/>
-                </a:endParaRPr>
               </a:p>
             </p:txBody>
           </p:sp>
@@ -11078,6 +11208,7 @@
         </p:style>
         <p:txBody>
           <a:bodyPr rtlCol="0" anchor="ctr"/>
+          <a:lstStyle/>
           <a:p>
             <a:pPr algn="ctr"/>
             <a:endParaRPr lang="zh-CN" altLang="en-US"/>
@@ -11093,7 +11224,7 @@
           <p:nvPr/>
         </p:nvPicPr>
         <p:blipFill>
-          <a:blip r:embed="rId1"/>
+          <a:blip r:embed="rId2"/>
           <a:stretch>
             <a:fillRect/>
           </a:stretch>
@@ -11161,6 +11292,7 @@
           </p:style>
           <p:txBody>
             <a:bodyPr rtlCol="0" anchor="ctr"/>
+            <a:lstStyle/>
             <a:p>
               <a:pPr algn="ctr"/>
               <a:endParaRPr lang="zh-CN" altLang="en-US"/>
@@ -11187,6 +11319,7 @@
             <a:bodyPr wrap="square" rtlCol="0" anchor="t">
               <a:spAutoFit/>
             </a:bodyPr>
+            <a:lstStyle/>
             <a:p>
               <a:r>
                 <a:rPr lang="zh-CN" altLang="en-US">
@@ -11198,7 +11331,6 @@
                 <a:rPr lang="zh-CN" altLang="en-US"/>
                 <a:t>and the inverse</a:t>
               </a:r>
-              <a:endParaRPr lang="zh-CN" altLang="en-US"/>
             </a:p>
           </p:txBody>
         </p:sp>
@@ -11212,7 +11344,7 @@
           <p:nvPr/>
         </p:nvPicPr>
         <p:blipFill>
-          <a:blip r:embed="rId2"/>
+          <a:blip r:embed="rId3"/>
           <a:stretch>
             <a:fillRect/>
           </a:stretch>
@@ -11236,7 +11368,7 @@
           <p:nvPr/>
         </p:nvPicPr>
         <p:blipFill>
-          <a:blip r:embed="rId3"/>
+          <a:blip r:embed="rId4"/>
           <a:stretch>
             <a:fillRect/>
           </a:stretch>
@@ -11260,7 +11392,7 @@
           <p:nvPr/>
         </p:nvPicPr>
         <p:blipFill>
-          <a:blip r:embed="rId4"/>
+          <a:blip r:embed="rId5"/>
           <a:stretch>
             <a:fillRect/>
           </a:stretch>
@@ -11284,7 +11416,7 @@
           <p:nvPr/>
         </p:nvPicPr>
         <p:blipFill>
-          <a:blip r:embed="rId5"/>
+          <a:blip r:embed="rId6"/>
           <a:stretch>
             <a:fillRect/>
           </a:stretch>
@@ -11316,7 +11448,14 @@
         <p:cNvGrpSpPr/>
         <p:nvPr/>
       </p:nvGrpSpPr>
-      <p:grpSpPr/>
+      <p:grpSpPr>
+        <a:xfrm>
+          <a:off x="0" y="0"/>
+          <a:ext cx="0" cy="0"/>
+          <a:chOff x="0" y="0"/>
+          <a:chExt cx="0" cy="0"/>
+        </a:xfrm>
+      </p:grpSpPr>
       <p:grpSp>
         <p:nvGrpSpPr>
           <p:cNvPr id="21" name="组合 20"/>
@@ -11434,6 +11573,9 @@
               <a:solidFill>
                 <a:srgbClr val="00B050"/>
               </a:solidFill>
+              <a:ln>
+                <a:noFill/>
+              </a:ln>
             </p:spPr>
             <p:style>
               <a:lnRef idx="2">
@@ -11453,19 +11595,16 @@
             </p:style>
             <p:txBody>
               <a:bodyPr rtlCol="0" anchor="ctr"/>
+              <a:lstStyle/>
               <a:p>
                 <a:pPr algn="ctr"/>
                 <a:r>
-                  <a:rPr lang="en-US" altLang="zh-CN" sz="2800">
+                  <a:rPr lang="en-US" altLang="zh-CN" sz="2800" dirty="0">
                     <a:latin typeface="微软雅黑" panose="020B0503020204020204" charset="-122"/>
                     <a:ea typeface="微软雅黑" panose="020B0503020204020204" charset="-122"/>
                   </a:rPr>
                   <a:t>24</a:t>
                 </a:r>
-                <a:endParaRPr lang="en-US" altLang="zh-CN" sz="2800">
-                  <a:latin typeface="微软雅黑" panose="020B0503020204020204" charset="-122"/>
-                  <a:ea typeface="微软雅黑" panose="020B0503020204020204" charset="-122"/>
-                </a:endParaRPr>
               </a:p>
             </p:txBody>
           </p:sp>
@@ -11489,6 +11628,7 @@
               <a:bodyPr wrap="none" rtlCol="0">
                 <a:spAutoFit/>
               </a:bodyPr>
+              <a:lstStyle/>
               <a:p>
                 <a:pPr algn="l"/>
                 <a:r>
@@ -11497,9 +11637,6 @@
                   </a:rPr>
                   <a:t>SciPy, NumPy, and Matplotlib</a:t>
                 </a:r>
-                <a:endParaRPr lang="zh-CN" altLang="en-US" sz="4400" b="1">
-                  <a:sym typeface="+mn-ea"/>
-                </a:endParaRPr>
               </a:p>
             </p:txBody>
           </p:sp>
@@ -11558,6 +11695,7 @@
           </p:style>
           <p:txBody>
             <a:bodyPr rtlCol="0" anchor="ctr"/>
+            <a:lstStyle/>
             <a:p>
               <a:pPr algn="ctr"/>
               <a:endParaRPr lang="zh-CN" altLang="en-US"/>
@@ -11584,6 +11722,7 @@
             <a:bodyPr wrap="square" rtlCol="0" anchor="t">
               <a:spAutoFit/>
             </a:bodyPr>
+            <a:lstStyle/>
             <a:p>
               <a:r>
                 <a:rPr lang="zh-CN" altLang="en-US"/>
@@ -11599,7 +11738,6 @@
                 <a:rPr lang="zh-CN" altLang="en-US"/>
                 <a:t>, eye identity matrix</a:t>
               </a:r>
-              <a:endParaRPr lang="zh-CN" altLang="en-US"/>
             </a:p>
           </p:txBody>
         </p:sp>
@@ -11613,7 +11751,7 @@
           <p:nvPr/>
         </p:nvPicPr>
         <p:blipFill>
-          <a:blip r:embed="rId1"/>
+          <a:blip r:embed="rId2"/>
           <a:stretch>
             <a:fillRect/>
           </a:stretch>
@@ -11637,7 +11775,7 @@
           <p:nvPr/>
         </p:nvPicPr>
         <p:blipFill>
-          <a:blip r:embed="rId2"/>
+          <a:blip r:embed="rId3"/>
           <a:stretch>
             <a:fillRect/>
           </a:stretch>
@@ -11669,7 +11807,14 @@
         <p:cNvGrpSpPr/>
         <p:nvPr/>
       </p:nvGrpSpPr>
-      <p:grpSpPr/>
+      <p:grpSpPr>
+        <a:xfrm>
+          <a:off x="0" y="0"/>
+          <a:ext cx="0" cy="0"/>
+          <a:chOff x="0" y="0"/>
+          <a:chExt cx="0" cy="0"/>
+        </a:xfrm>
+      </p:grpSpPr>
       <p:grpSp>
         <p:nvGrpSpPr>
           <p:cNvPr id="21" name="组合 20"/>
@@ -11787,6 +11932,9 @@
               <a:solidFill>
                 <a:srgbClr val="00B050"/>
               </a:solidFill>
+              <a:ln>
+                <a:noFill/>
+              </a:ln>
             </p:spPr>
             <p:style>
               <a:lnRef idx="2">
@@ -11806,6 +11954,7 @@
             </p:style>
             <p:txBody>
               <a:bodyPr rtlCol="0" anchor="ctr"/>
+              <a:lstStyle/>
               <a:p>
                 <a:pPr algn="ctr"/>
                 <a:r>
@@ -11815,10 +11964,6 @@
                   </a:rPr>
                   <a:t>25</a:t>
                 </a:r>
-                <a:endParaRPr lang="en-US" altLang="zh-CN" sz="2800">
-                  <a:latin typeface="微软雅黑" panose="020B0503020204020204" charset="-122"/>
-                  <a:ea typeface="微软雅黑" panose="020B0503020204020204" charset="-122"/>
-                </a:endParaRPr>
               </a:p>
             </p:txBody>
           </p:sp>
@@ -11842,6 +11987,7 @@
               <a:bodyPr wrap="none" rtlCol="0">
                 <a:spAutoFit/>
               </a:bodyPr>
+              <a:lstStyle/>
               <a:p>
                 <a:pPr algn="l"/>
                 <a:r>
@@ -11850,9 +11996,6 @@
                   </a:rPr>
                   <a:t>SciPy, NumPy, and Matplotlib</a:t>
                 </a:r>
-                <a:endParaRPr lang="zh-CN" altLang="en-US" sz="4400" b="1">
-                  <a:sym typeface="+mn-ea"/>
-                </a:endParaRPr>
               </a:p>
             </p:txBody>
           </p:sp>
@@ -11867,7 +12010,7 @@
           <p:nvPr/>
         </p:nvPicPr>
         <p:blipFill>
-          <a:blip r:embed="rId1"/>
+          <a:blip r:embed="rId2"/>
           <a:stretch>
             <a:fillRect/>
           </a:stretch>
@@ -11921,6 +12064,7 @@
         </p:style>
         <p:txBody>
           <a:bodyPr rtlCol="0" anchor="ctr"/>
+          <a:lstStyle/>
           <a:p>
             <a:pPr algn="ctr"/>
             <a:endParaRPr lang="zh-CN" altLang="en-US"/>
@@ -11936,7 +12080,7 @@
           <p:nvPr/>
         </p:nvPicPr>
         <p:blipFill>
-          <a:blip r:embed="rId2"/>
+          <a:blip r:embed="rId3"/>
           <a:stretch>
             <a:fillRect/>
           </a:stretch>
@@ -11990,6 +12134,7 @@
         </p:style>
         <p:txBody>
           <a:bodyPr rtlCol="0" anchor="ctr"/>
+          <a:lstStyle/>
           <a:p>
             <a:pPr algn="ctr"/>
             <a:endParaRPr lang="zh-CN" altLang="en-US"/>
@@ -12013,7 +12158,14 @@
         <p:cNvGrpSpPr/>
         <p:nvPr/>
       </p:nvGrpSpPr>
-      <p:grpSpPr/>
+      <p:grpSpPr>
+        <a:xfrm>
+          <a:off x="0" y="0"/>
+          <a:ext cx="0" cy="0"/>
+          <a:chOff x="0" y="0"/>
+          <a:chExt cx="0" cy="0"/>
+        </a:xfrm>
+      </p:grpSpPr>
       <p:grpSp>
         <p:nvGrpSpPr>
           <p:cNvPr id="21" name="组合 20"/>
@@ -12131,6 +12283,9 @@
               <a:solidFill>
                 <a:srgbClr val="00B050"/>
               </a:solidFill>
+              <a:ln>
+                <a:noFill/>
+              </a:ln>
             </p:spPr>
             <p:style>
               <a:lnRef idx="2">
@@ -12150,6 +12305,7 @@
             </p:style>
             <p:txBody>
               <a:bodyPr rtlCol="0" anchor="ctr"/>
+              <a:lstStyle/>
               <a:p>
                 <a:pPr algn="ctr"/>
                 <a:r>
@@ -12159,10 +12315,6 @@
                   </a:rPr>
                   <a:t>26</a:t>
                 </a:r>
-                <a:endParaRPr lang="en-US" altLang="zh-CN" sz="2800">
-                  <a:latin typeface="微软雅黑" panose="020B0503020204020204" charset="-122"/>
-                  <a:ea typeface="微软雅黑" panose="020B0503020204020204" charset="-122"/>
-                </a:endParaRPr>
               </a:p>
             </p:txBody>
           </p:sp>
@@ -12186,6 +12338,7 @@
               <a:bodyPr wrap="none" rtlCol="0">
                 <a:spAutoFit/>
               </a:bodyPr>
+              <a:lstStyle/>
               <a:p>
                 <a:pPr algn="l"/>
                 <a:r>
@@ -12194,9 +12347,6 @@
                   </a:rPr>
                   <a:t>SciPy, NumPy, and Matplotlib</a:t>
                 </a:r>
-                <a:endParaRPr lang="zh-CN" altLang="en-US" sz="4400" b="1">
-                  <a:sym typeface="+mn-ea"/>
-                </a:endParaRPr>
               </a:p>
             </p:txBody>
           </p:sp>
@@ -12241,6 +12391,7 @@
         </p:style>
         <p:txBody>
           <a:bodyPr rtlCol="0" anchor="ctr"/>
+          <a:lstStyle/>
           <a:p>
             <a:pPr algn="ctr"/>
             <a:endParaRPr lang="zh-CN" altLang="en-US"/>
@@ -12256,7 +12407,7 @@
           <p:nvPr/>
         </p:nvPicPr>
         <p:blipFill>
-          <a:blip r:embed="rId1"/>
+          <a:blip r:embed="rId2"/>
           <a:stretch>
             <a:fillRect/>
           </a:stretch>
@@ -12296,7 +12447,14 @@
         <p:cNvGrpSpPr/>
         <p:nvPr/>
       </p:nvGrpSpPr>
-      <p:grpSpPr/>
+      <p:grpSpPr>
+        <a:xfrm>
+          <a:off x="0" y="0"/>
+          <a:ext cx="0" cy="0"/>
+          <a:chOff x="0" y="0"/>
+          <a:chExt cx="0" cy="0"/>
+        </a:xfrm>
+      </p:grpSpPr>
       <p:pic>
         <p:nvPicPr>
           <p:cNvPr id="4" name="图片 3"/>
@@ -12306,7 +12464,7 @@
           <p:nvPr/>
         </p:nvPicPr>
         <p:blipFill>
-          <a:blip r:embed="rId1"/>
+          <a:blip r:embed="rId2"/>
           <a:srcRect l="5210" t="2776" r="1916" b="2046"/>
           <a:stretch>
             <a:fillRect/>
@@ -12339,7 +12497,14 @@
         <p:cNvGrpSpPr/>
         <p:nvPr/>
       </p:nvGrpSpPr>
-      <p:grpSpPr/>
+      <p:grpSpPr>
+        <a:xfrm>
+          <a:off x="0" y="0"/>
+          <a:ext cx="0" cy="0"/>
+          <a:chOff x="0" y="0"/>
+          <a:chExt cx="0" cy="0"/>
+        </a:xfrm>
+      </p:grpSpPr>
       <p:cxnSp>
         <p:nvCxnSpPr>
           <p:cNvPr id="4" name="直接连接符 3"/>
@@ -12396,16 +12561,14 @@
           <a:bodyPr wrap="none" rtlCol="0" anchor="t">
             <a:spAutoFit/>
           </a:bodyPr>
+          <a:lstStyle/>
           <a:p>
             <a:r>
-              <a:rPr lang="zh-CN" altLang="en-US" sz="5400" b="1">
+              <a:rPr lang="zh-CN" altLang="en-US" sz="5400" b="1" dirty="0">
                 <a:sym typeface="+mn-ea"/>
               </a:rPr>
               <a:t>Kalman and Bayesian Filters</a:t>
             </a:r>
-            <a:endParaRPr lang="zh-CN" altLang="en-US" sz="5400" b="1">
-              <a:sym typeface="+mn-ea"/>
-            </a:endParaRPr>
           </a:p>
         </p:txBody>
       </p:sp>
@@ -12465,6 +12628,7 @@
           <a:bodyPr wrap="none" rtlCol="0" anchor="t">
             <a:spAutoFit/>
           </a:bodyPr>
+          <a:lstStyle/>
           <a:p>
             <a:r>
               <a:rPr lang="zh-CN" altLang="en-US" sz="5400" b="1">
@@ -12472,9 +12636,6 @@
               </a:rPr>
               <a:t>卡尔曼和贝叶斯滤波</a:t>
             </a:r>
-            <a:endParaRPr lang="zh-CN" altLang="en-US" sz="5400" b="1">
-              <a:sym typeface="+mn-ea"/>
-            </a:endParaRPr>
           </a:p>
         </p:txBody>
       </p:sp>
@@ -12495,6 +12656,9 @@
           <a:solidFill>
             <a:srgbClr val="00B050"/>
           </a:solidFill>
+          <a:ln>
+            <a:noFill/>
+          </a:ln>
         </p:spPr>
         <p:style>
           <a:lnRef idx="2">
@@ -12514,6 +12678,7 @@
         </p:style>
         <p:txBody>
           <a:bodyPr rtlCol="0" anchor="ctr"/>
+          <a:lstStyle/>
           <a:p>
             <a:pPr algn="ctr"/>
             <a:r>
@@ -12523,10 +12688,6 @@
               </a:rPr>
               <a:t>3</a:t>
             </a:r>
-            <a:endParaRPr lang="en-US" altLang="zh-CN" sz="4800">
-              <a:latin typeface="微软雅黑" panose="020B0503020204020204" charset="-122"/>
-              <a:ea typeface="微软雅黑" panose="020B0503020204020204" charset="-122"/>
-            </a:endParaRPr>
           </a:p>
         </p:txBody>
       </p:sp>
@@ -12547,7 +12708,14 @@
         <p:cNvGrpSpPr/>
         <p:nvPr/>
       </p:nvGrpSpPr>
-      <p:grpSpPr/>
+      <p:grpSpPr>
+        <a:xfrm>
+          <a:off x="0" y="0"/>
+          <a:ext cx="0" cy="0"/>
+          <a:chOff x="0" y="0"/>
+          <a:chExt cx="0" cy="0"/>
+        </a:xfrm>
+      </p:grpSpPr>
       <p:grpSp>
         <p:nvGrpSpPr>
           <p:cNvPr id="6" name="组合 5"/>
@@ -12665,6 +12833,9 @@
               <a:solidFill>
                 <a:srgbClr val="00B050"/>
               </a:solidFill>
+              <a:ln>
+                <a:noFill/>
+              </a:ln>
             </p:spPr>
             <p:style>
               <a:lnRef idx="2">
@@ -12684,6 +12855,7 @@
             </p:style>
             <p:txBody>
               <a:bodyPr rtlCol="0" anchor="ctr"/>
+              <a:lstStyle/>
               <a:p>
                 <a:pPr algn="ctr"/>
                 <a:r>
@@ -12693,10 +12865,6 @@
                   </a:rPr>
                   <a:t>4</a:t>
                 </a:r>
-                <a:endParaRPr lang="en-US" altLang="zh-CN" sz="4800">
-                  <a:latin typeface="微软雅黑" panose="020B0503020204020204" charset="-122"/>
-                  <a:ea typeface="微软雅黑" panose="020B0503020204020204" charset="-122"/>
-                </a:endParaRPr>
               </a:p>
             </p:txBody>
           </p:sp>
@@ -12720,6 +12888,7 @@
               <a:bodyPr wrap="none" rtlCol="0">
                 <a:spAutoFit/>
               </a:bodyPr>
+              <a:lstStyle/>
               <a:p>
                 <a:pPr algn="l"/>
                 <a:r>
@@ -12728,9 +12897,6 @@
                   </a:rPr>
                   <a:t>Kalman and Bayesian Filters</a:t>
                 </a:r>
-                <a:endParaRPr lang="zh-CN" altLang="en-US" sz="4400" b="1">
-                  <a:sym typeface="+mn-ea"/>
-                </a:endParaRPr>
               </a:p>
             </p:txBody>
           </p:sp>
@@ -12756,20 +12922,19 @@
           <a:bodyPr wrap="square" rtlCol="0" anchor="t">
             <a:spAutoFit/>
           </a:bodyPr>
+          <a:lstStyle/>
           <a:p>
             <a:pPr algn="ctr"/>
             <a:r>
               <a:rPr lang="zh-CN" altLang="en-US" sz="1400"/>
               <a:t>Rudolf Emil Kálmán </a:t>
             </a:r>
-            <a:endParaRPr lang="zh-CN" altLang="en-US" sz="1400"/>
           </a:p>
           <a:p>
             <a:r>
               <a:rPr lang="zh-CN" altLang="en-US" sz="1400"/>
               <a:t>鲁道夫·卡尔曼 匈牙利裔美国数学家</a:t>
             </a:r>
-            <a:endParaRPr lang="zh-CN" altLang="en-US" sz="1400"/>
           </a:p>
         </p:txBody>
       </p:sp>
@@ -12782,7 +12947,7 @@
           <p:nvPr/>
         </p:nvPicPr>
         <p:blipFill>
-          <a:blip r:embed="rId1"/>
+          <a:blip r:embed="rId2"/>
           <a:stretch>
             <a:fillRect/>
           </a:stretch>
@@ -12817,6 +12982,7 @@
           <a:bodyPr wrap="square" rtlCol="0" anchor="t">
             <a:spAutoFit/>
           </a:bodyPr>
+          <a:lstStyle/>
           <a:p>
             <a:r>
               <a:rPr lang="zh-CN" altLang="en-US" sz="2400"/>
@@ -12826,7 +12992,6 @@
               <a:rPr lang="en-US" altLang="zh-CN" sz="2400"/>
               <a:t>y</a:t>
             </a:r>
-            <a:endParaRPr lang="en-US" altLang="zh-CN" sz="2400"/>
           </a:p>
         </p:txBody>
       </p:sp>
@@ -12883,6 +13048,7 @@
           </p:style>
           <p:txBody>
             <a:bodyPr rtlCol="0" anchor="ctr"/>
+            <a:lstStyle/>
             <a:p>
               <a:pPr algn="ctr"/>
               <a:endParaRPr lang="zh-CN" altLang="en-US"/>
@@ -12929,6 +13095,7 @@
           </p:style>
           <p:txBody>
             <a:bodyPr rtlCol="0" anchor="ctr"/>
+            <a:lstStyle/>
             <a:p>
               <a:pPr algn="ctr"/>
               <a:endParaRPr lang="zh-CN" altLang="en-US"/>
@@ -12956,6 +13123,7 @@
           <a:bodyPr wrap="square" rtlCol="0" anchor="t">
             <a:spAutoFit/>
           </a:bodyPr>
+          <a:lstStyle/>
           <a:p>
             <a:r>
               <a:rPr lang="zh-CN" altLang="en-US"/>
@@ -12965,7 +13133,6 @@
               <a:rPr lang="en-US" altLang="zh-CN"/>
               <a:t>e, Each time  pass the same point, it reports a slightly different altitude </a:t>
             </a:r>
-            <a:endParaRPr lang="en-US" altLang="zh-CN"/>
           </a:p>
           <a:p>
             <a:endParaRPr lang="en-US" altLang="zh-CN"/>
@@ -12992,6 +13159,7 @@
           <a:bodyPr wrap="square" rtlCol="0" anchor="t">
             <a:spAutoFit/>
           </a:bodyPr>
+          <a:lstStyle/>
           <a:p>
             <a:r>
               <a:rPr lang="en-US" altLang="zh-CN"/>
@@ -13001,7 +13169,6 @@
               <a:rPr lang="zh-CN" altLang="en-US"/>
               <a:t>itchen scale gives different readings weigh the same object twice.</a:t>
             </a:r>
-            <a:endParaRPr lang="zh-CN" altLang="en-US"/>
           </a:p>
         </p:txBody>
       </p:sp>
@@ -13044,6 +13211,7 @@
         </p:style>
         <p:txBody>
           <a:bodyPr rtlCol="0" anchor="ctr"/>
+          <a:lstStyle/>
           <a:p>
             <a:pPr algn="ctr"/>
             <a:endParaRPr lang="zh-CN" altLang="en-US"/>
@@ -13089,6 +13257,7 @@
         </p:style>
         <p:txBody>
           <a:bodyPr rtlCol="0" anchor="ctr"/>
+          <a:lstStyle/>
           <a:p>
             <a:pPr algn="ctr"/>
             <a:endParaRPr lang="zh-CN" altLang="en-US"/>
@@ -13115,6 +13284,7 @@
           <a:bodyPr wrap="square" rtlCol="0" anchor="t">
             <a:spAutoFit/>
           </a:bodyPr>
+          <a:lstStyle/>
           <a:p>
             <a:r>
               <a:rPr lang="en-US" altLang="zh-CN"/>
@@ -13136,7 +13306,6 @@
               <a:rPr lang="en-US" altLang="zh-CN"/>
               <a:t>. How can track?</a:t>
             </a:r>
-            <a:endParaRPr lang="en-US" altLang="zh-CN"/>
           </a:p>
         </p:txBody>
       </p:sp>
@@ -13179,6 +13348,7 @@
         </p:style>
         <p:txBody>
           <a:bodyPr rtlCol="0" anchor="ctr"/>
+          <a:lstStyle/>
           <a:p>
             <a:pPr algn="ctr"/>
             <a:endParaRPr lang="zh-CN" altLang="en-US"/>
@@ -13252,6 +13422,7 @@
             </p:style>
             <p:txBody>
               <a:bodyPr rtlCol="0" anchor="ctr"/>
+              <a:lstStyle/>
               <a:p>
                 <a:pPr algn="ctr"/>
                 <a:endParaRPr lang="zh-CN" altLang="en-US"/>
@@ -13298,6 +13469,7 @@
             </p:style>
             <p:txBody>
               <a:bodyPr rtlCol="0" anchor="ctr"/>
+              <a:lstStyle/>
               <a:p>
                 <a:pPr algn="ctr"/>
                 <a:endParaRPr lang="zh-CN" altLang="en-US"/>
@@ -13325,12 +13497,12 @@
             <a:bodyPr wrap="square" rtlCol="0" anchor="t">
               <a:spAutoFit/>
             </a:bodyPr>
+            <a:lstStyle/>
             <a:p>
               <a:r>
                 <a:rPr lang="en-US" altLang="zh-CN" sz="2400"/>
                 <a:t>Introduction </a:t>
               </a:r>
-              <a:endParaRPr lang="en-US" altLang="zh-CN" sz="2400"/>
             </a:p>
           </p:txBody>
         </p:sp>
@@ -13388,6 +13560,7 @@
           </p:style>
           <p:txBody>
             <a:bodyPr rtlCol="0" anchor="ctr"/>
+            <a:lstStyle/>
             <a:p>
               <a:pPr algn="ctr"/>
               <a:endParaRPr lang="zh-CN" altLang="en-US"/>
@@ -13414,6 +13587,7 @@
             <a:bodyPr wrap="none" rtlCol="0" anchor="t">
               <a:spAutoFit/>
             </a:bodyPr>
+            <a:lstStyle/>
             <a:p>
               <a:pPr algn="l"/>
               <a:r>
@@ -13428,9 +13602,6 @@
                 </a:rPr>
                 <a:t>n</a:t>
               </a:r>
-              <a:endParaRPr lang="en-US" altLang="zh-CN">
-                <a:sym typeface="+mn-ea"/>
-              </a:endParaRPr>
             </a:p>
           </p:txBody>
         </p:sp>
@@ -13488,6 +13659,7 @@
           </p:style>
           <p:txBody>
             <a:bodyPr rtlCol="0" anchor="ctr"/>
+            <a:lstStyle/>
             <a:p>
               <a:pPr algn="ctr"/>
               <a:endParaRPr lang="zh-CN" altLang="en-US"/>
@@ -13514,19 +13686,14 @@
             <a:bodyPr wrap="none" rtlCol="0" anchor="t">
               <a:spAutoFit/>
             </a:bodyPr>
+            <a:lstStyle/>
             <a:p>
               <a:pPr algn="l"/>
               <a:r>
                 <a:rPr lang="zh-CN" altLang="en-US">
                   <a:sym typeface="+mn-ea"/>
                 </a:rPr>
-                <a:t>A</a:t>
-              </a:r>
-              <a:r>
-                <a:rPr lang="zh-CN" altLang="en-US">
-                  <a:sym typeface="+mn-ea"/>
-                </a:rPr>
-                <a:t>aircraft, submarines, cruise missiles</a:t>
+                <a:t>Aaircraft, submarines, cruise missiles</a:t>
               </a:r>
               <a:endParaRPr lang="zh-CN" altLang="en-US"/>
             </a:p>
@@ -13586,6 +13753,7 @@
           </p:style>
           <p:txBody>
             <a:bodyPr rtlCol="0" anchor="ctr"/>
+            <a:lstStyle/>
             <a:p>
               <a:pPr algn="ctr"/>
               <a:endParaRPr lang="zh-CN" altLang="en-US"/>
@@ -13612,6 +13780,7 @@
             <a:bodyPr wrap="none" rtlCol="0" anchor="t">
               <a:spAutoFit/>
             </a:bodyPr>
+            <a:lstStyle/>
             <a:p>
               <a:pPr algn="l"/>
               <a:r>
@@ -13684,6 +13853,7 @@
           </p:style>
           <p:txBody>
             <a:bodyPr rtlCol="0" anchor="ctr"/>
+            <a:lstStyle/>
             <a:p>
               <a:pPr algn="ctr"/>
               <a:endParaRPr lang="zh-CN" altLang="en-US"/>
@@ -13710,6 +13880,7 @@
             <a:bodyPr wrap="none" rtlCol="0" anchor="t">
               <a:spAutoFit/>
             </a:bodyPr>
+            <a:lstStyle/>
             <a:p>
               <a:pPr algn="l"/>
               <a:r>
@@ -13746,7 +13917,14 @@
         <p:cNvGrpSpPr/>
         <p:nvPr/>
       </p:nvGrpSpPr>
-      <p:grpSpPr/>
+      <p:grpSpPr>
+        <a:xfrm>
+          <a:off x="0" y="0"/>
+          <a:ext cx="0" cy="0"/>
+          <a:chOff x="0" y="0"/>
+          <a:chExt cx="0" cy="0"/>
+        </a:xfrm>
+      </p:grpSpPr>
       <p:cxnSp>
         <p:nvCxnSpPr>
           <p:cNvPr id="4" name="直接连接符 3"/>
@@ -13803,6 +13981,7 @@
           <a:bodyPr wrap="none" rtlCol="0" anchor="t">
             <a:spAutoFit/>
           </a:bodyPr>
+          <a:lstStyle/>
           <a:p>
             <a:pPr algn="l"/>
             <a:r>
@@ -13811,9 +13990,6 @@
               </a:rPr>
               <a:t>Motivation for this Book</a:t>
             </a:r>
-            <a:endParaRPr lang="zh-CN" altLang="en-US" sz="5400" b="1">
-              <a:sym typeface="+mn-ea"/>
-            </a:endParaRPr>
           </a:p>
           <a:p>
             <a:endParaRPr lang="zh-CN" altLang="en-US" sz="5400" b="1">
@@ -13878,6 +14054,7 @@
           <a:bodyPr wrap="none" rtlCol="0" anchor="t">
             <a:spAutoFit/>
           </a:bodyPr>
+          <a:lstStyle/>
           <a:p>
             <a:r>
               <a:rPr lang="zh-CN" altLang="en-US" sz="5400" b="1">
@@ -13885,9 +14062,6 @@
               </a:rPr>
               <a:t>书的目标</a:t>
             </a:r>
-            <a:endParaRPr lang="zh-CN" altLang="en-US" sz="5400" b="1">
-              <a:sym typeface="+mn-ea"/>
-            </a:endParaRPr>
           </a:p>
         </p:txBody>
       </p:sp>
@@ -13908,6 +14082,9 @@
           <a:solidFill>
             <a:srgbClr val="00B050"/>
           </a:solidFill>
+          <a:ln>
+            <a:noFill/>
+          </a:ln>
         </p:spPr>
         <p:style>
           <a:lnRef idx="2">
@@ -13927,6 +14104,7 @@
         </p:style>
         <p:txBody>
           <a:bodyPr rtlCol="0" anchor="ctr"/>
+          <a:lstStyle/>
           <a:p>
             <a:pPr algn="ctr"/>
             <a:r>
@@ -13936,10 +14114,6 @@
               </a:rPr>
               <a:t>5</a:t>
             </a:r>
-            <a:endParaRPr lang="en-US" altLang="zh-CN" sz="4800">
-              <a:latin typeface="微软雅黑" panose="020B0503020204020204" charset="-122"/>
-              <a:ea typeface="微软雅黑" panose="020B0503020204020204" charset="-122"/>
-            </a:endParaRPr>
           </a:p>
         </p:txBody>
       </p:sp>
@@ -13960,7 +14134,14 @@
         <p:cNvGrpSpPr/>
         <p:nvPr/>
       </p:nvGrpSpPr>
-      <p:grpSpPr/>
+      <p:grpSpPr>
+        <a:xfrm>
+          <a:off x="0" y="0"/>
+          <a:ext cx="0" cy="0"/>
+          <a:chOff x="0" y="0"/>
+          <a:chExt cx="0" cy="0"/>
+        </a:xfrm>
+      </p:grpSpPr>
       <p:grpSp>
         <p:nvGrpSpPr>
           <p:cNvPr id="6" name="组合 5"/>
@@ -14078,6 +14259,9 @@
               <a:solidFill>
                 <a:srgbClr val="00B050"/>
               </a:solidFill>
+              <a:ln>
+                <a:noFill/>
+              </a:ln>
             </p:spPr>
             <p:style>
               <a:lnRef idx="2">
@@ -14097,6 +14281,7 @@
             </p:style>
             <p:txBody>
               <a:bodyPr rtlCol="0" anchor="ctr"/>
+              <a:lstStyle/>
               <a:p>
                 <a:pPr algn="ctr"/>
                 <a:r>
@@ -14106,10 +14291,6 @@
                   </a:rPr>
                   <a:t>6</a:t>
                 </a:r>
-                <a:endParaRPr lang="en-US" altLang="zh-CN" sz="4800">
-                  <a:latin typeface="微软雅黑" panose="020B0503020204020204" charset="-122"/>
-                  <a:ea typeface="微软雅黑" panose="020B0503020204020204" charset="-122"/>
-                </a:endParaRPr>
               </a:p>
             </p:txBody>
           </p:sp>
@@ -14133,6 +14314,7 @@
               <a:bodyPr wrap="none" rtlCol="0">
                 <a:spAutoFit/>
               </a:bodyPr>
+              <a:lstStyle/>
               <a:p>
                 <a:pPr algn="l"/>
                 <a:r>
@@ -14141,9 +14323,6 @@
                   </a:rPr>
                   <a:t>Motivation for this Book</a:t>
                 </a:r>
-                <a:endParaRPr lang="zh-CN" altLang="en-US" sz="4400" b="1">
-                  <a:sym typeface="+mn-ea"/>
-                </a:endParaRPr>
               </a:p>
             </p:txBody>
           </p:sp>
@@ -14183,12 +14362,12 @@
             <a:bodyPr wrap="square" rtlCol="0" anchor="t">
               <a:spAutoFit/>
             </a:bodyPr>
+            <a:lstStyle/>
             <a:p>
               <a:r>
                 <a:rPr lang="zh-CN" altLang="en-US" sz="2400"/>
                 <a:t>The theory is beautiful, but quite difficult to learn</a:t>
               </a:r>
-              <a:endParaRPr lang="zh-CN" altLang="en-US" sz="2400"/>
             </a:p>
           </p:txBody>
         </p:sp>
@@ -14245,6 +14424,7 @@
             </p:style>
             <p:txBody>
               <a:bodyPr rtlCol="0" anchor="ctr"/>
+              <a:lstStyle/>
               <a:p>
                 <a:pPr algn="ctr"/>
                 <a:endParaRPr lang="zh-CN" altLang="en-US"/>
@@ -14291,6 +14471,7 @@
             </p:style>
             <p:txBody>
               <a:bodyPr rtlCol="0" anchor="ctr"/>
+              <a:lstStyle/>
               <a:p>
                 <a:pPr algn="ctr"/>
                 <a:endParaRPr lang="zh-CN" altLang="en-US"/>
@@ -14352,6 +14533,7 @@
           </p:style>
           <p:txBody>
             <a:bodyPr rtlCol="0" anchor="ctr"/>
+            <a:lstStyle/>
             <a:p>
               <a:pPr algn="ctr"/>
               <a:endParaRPr lang="zh-CN" altLang="en-US"/>
@@ -14378,6 +14560,7 @@
             <a:bodyPr wrap="none" rtlCol="0" anchor="t">
               <a:spAutoFit/>
             </a:bodyPr>
+            <a:lstStyle/>
             <a:p>
               <a:pPr algn="l"/>
               <a:r>
@@ -14446,6 +14629,7 @@
           </p:style>
           <p:txBody>
             <a:bodyPr rtlCol="0" anchor="ctr"/>
+            <a:lstStyle/>
             <a:p>
               <a:pPr algn="ctr"/>
               <a:endParaRPr lang="zh-CN" altLang="en-US"/>
@@ -14472,6 +14656,7 @@
             <a:bodyPr wrap="none" rtlCol="0" anchor="t">
               <a:spAutoFit/>
             </a:bodyPr>
+            <a:lstStyle/>
             <a:p>
               <a:pPr algn="l"/>
               <a:r>
@@ -14540,6 +14725,7 @@
           </p:style>
           <p:txBody>
             <a:bodyPr rtlCol="0" anchor="ctr"/>
+            <a:lstStyle/>
             <a:p>
               <a:pPr algn="ctr"/>
               <a:endParaRPr lang="zh-CN" altLang="en-US"/>
@@ -14566,6 +14752,7 @@
             <a:bodyPr wrap="none" rtlCol="0" anchor="t">
               <a:spAutoFit/>
             </a:bodyPr>
+            <a:lstStyle/>
             <a:p>
               <a:pPr algn="l"/>
               <a:r>
@@ -14615,6 +14802,7 @@
             <a:bodyPr wrap="square" rtlCol="0" anchor="t">
               <a:spAutoFit/>
             </a:bodyPr>
+            <a:lstStyle/>
             <a:p>
               <a:r>
                 <a:rPr lang="en-US" altLang="zh-CN" sz="2400"/>
@@ -14634,7 +14822,6 @@
                 <a:rPr lang="zh-CN" altLang="en-US" sz="2400"/>
                 <a:t> </a:t>
               </a:r>
-              <a:endParaRPr lang="zh-CN" altLang="en-US" sz="2400"/>
             </a:p>
           </p:txBody>
         </p:sp>
@@ -14691,6 +14878,7 @@
             </p:style>
             <p:txBody>
               <a:bodyPr rtlCol="0" anchor="ctr"/>
+              <a:lstStyle/>
               <a:p>
                 <a:pPr algn="ctr"/>
                 <a:endParaRPr lang="zh-CN" altLang="en-US"/>
@@ -14737,6 +14925,7 @@
             </p:style>
             <p:txBody>
               <a:bodyPr rtlCol="0" anchor="ctr"/>
+              <a:lstStyle/>
               <a:p>
                 <a:pPr algn="ctr"/>
                 <a:endParaRPr lang="zh-CN" altLang="en-US"/>
@@ -14798,6 +14987,7 @@
           </p:style>
           <p:txBody>
             <a:bodyPr rtlCol="0" anchor="ctr"/>
+            <a:lstStyle/>
             <a:p>
               <a:pPr algn="ctr"/>
               <a:endParaRPr lang="zh-CN" altLang="en-US"/>
@@ -14824,6 +15014,7 @@
             <a:bodyPr wrap="none" rtlCol="0" anchor="t">
               <a:spAutoFit/>
             </a:bodyPr>
+            <a:lstStyle/>
             <a:p>
               <a:pPr algn="l"/>
               <a:r>
@@ -14838,9 +15029,6 @@
                 </a:rPr>
                 <a:t>otation is introduced without explanation</a:t>
               </a:r>
-              <a:endParaRPr lang="zh-CN" altLang="en-US">
-                <a:sym typeface="+mn-ea"/>
-              </a:endParaRPr>
             </a:p>
           </p:txBody>
         </p:sp>
@@ -14898,6 +15086,7 @@
           </p:style>
           <p:txBody>
             <a:bodyPr rtlCol="0" anchor="ctr"/>
+            <a:lstStyle/>
             <a:p>
               <a:pPr algn="ctr"/>
               <a:endParaRPr lang="zh-CN" altLang="en-US"/>
@@ -14924,6 +15113,7 @@
             <a:bodyPr wrap="none" rtlCol="0" anchor="t">
               <a:spAutoFit/>
             </a:bodyPr>
+            <a:lstStyle/>
             <a:p>
               <a:pPr algn="l"/>
               <a:r>
@@ -14932,9 +15122,6 @@
                 </a:rPr>
                 <a:t>books are almost devoid of examples or worked problems</a:t>
               </a:r>
-              <a:endParaRPr>
-                <a:sym typeface="+mn-ea"/>
-              </a:endParaRPr>
             </a:p>
           </p:txBody>
         </p:sp>
@@ -14992,6 +15179,7 @@
           </p:style>
           <p:txBody>
             <a:bodyPr rtlCol="0" anchor="ctr"/>
+            <a:lstStyle/>
             <a:p>
               <a:pPr algn="ctr"/>
               <a:endParaRPr lang="zh-CN" altLang="en-US"/>
@@ -15018,6 +15206,7 @@
             <a:bodyPr wrap="none" rtlCol="0" anchor="t">
               <a:spAutoFit/>
             </a:bodyPr>
+            <a:lstStyle/>
             <a:p>
               <a:pPr algn="l"/>
               <a:r>
@@ -15054,7 +15243,14 @@
         <p:cNvGrpSpPr/>
         <p:nvPr/>
       </p:nvGrpSpPr>
-      <p:grpSpPr/>
+      <p:grpSpPr>
+        <a:xfrm>
+          <a:off x="0" y="0"/>
+          <a:ext cx="0" cy="0"/>
+          <a:chOff x="0" y="0"/>
+          <a:chExt cx="0" cy="0"/>
+        </a:xfrm>
+      </p:grpSpPr>
       <p:cxnSp>
         <p:nvCxnSpPr>
           <p:cNvPr id="4" name="直接连接符 3"/>
@@ -15111,6 +15307,7 @@
           <a:bodyPr wrap="none" rtlCol="0" anchor="t">
             <a:spAutoFit/>
           </a:bodyPr>
+          <a:lstStyle/>
           <a:p>
             <a:pPr algn="l"/>
             <a:r>
@@ -15190,6 +15387,7 @@
           <a:bodyPr wrap="none" rtlCol="0" anchor="t">
             <a:spAutoFit/>
           </a:bodyPr>
+          <a:lstStyle/>
           <a:p>
             <a:r>
               <a:rPr lang="zh-CN" altLang="en-US" sz="5400" b="1">
@@ -15197,9 +15395,6 @@
               </a:rPr>
               <a:t>在线阅读</a:t>
             </a:r>
-            <a:endParaRPr lang="zh-CN" altLang="en-US" sz="5400" b="1">
-              <a:sym typeface="+mn-ea"/>
-            </a:endParaRPr>
           </a:p>
         </p:txBody>
       </p:sp>
@@ -15220,6 +15415,9 @@
           <a:solidFill>
             <a:srgbClr val="00B050"/>
           </a:solidFill>
+          <a:ln>
+            <a:noFill/>
+          </a:ln>
         </p:spPr>
         <p:style>
           <a:lnRef idx="2">
@@ -15239,6 +15437,7 @@
         </p:style>
         <p:txBody>
           <a:bodyPr rtlCol="0" anchor="ctr"/>
+          <a:lstStyle/>
           <a:p>
             <a:pPr algn="ctr"/>
             <a:r>
@@ -15248,10 +15447,6 @@
               </a:rPr>
               <a:t>7</a:t>
             </a:r>
-            <a:endParaRPr lang="en-US" altLang="zh-CN" sz="4800">
-              <a:latin typeface="微软雅黑" panose="020B0503020204020204" charset="-122"/>
-              <a:ea typeface="微软雅黑" panose="020B0503020204020204" charset="-122"/>
-            </a:endParaRPr>
           </a:p>
         </p:txBody>
       </p:sp>
@@ -15272,7 +15467,14 @@
         <p:cNvGrpSpPr/>
         <p:nvPr/>
       </p:nvGrpSpPr>
-      <p:grpSpPr/>
+      <p:grpSpPr>
+        <a:xfrm>
+          <a:off x="0" y="0"/>
+          <a:ext cx="0" cy="0"/>
+          <a:chOff x="0" y="0"/>
+          <a:chExt cx="0" cy="0"/>
+        </a:xfrm>
+      </p:grpSpPr>
       <p:grpSp>
         <p:nvGrpSpPr>
           <p:cNvPr id="6" name="组合 5"/>
@@ -15390,6 +15592,9 @@
               <a:solidFill>
                 <a:srgbClr val="00B050"/>
               </a:solidFill>
+              <a:ln>
+                <a:noFill/>
+              </a:ln>
             </p:spPr>
             <p:style>
               <a:lnRef idx="2">
@@ -15409,19 +15614,16 @@
             </p:style>
             <p:txBody>
               <a:bodyPr rtlCol="0" anchor="ctr"/>
+              <a:lstStyle/>
               <a:p>
                 <a:pPr algn="ctr"/>
                 <a:r>
-                  <a:rPr lang="en-US" altLang="zh-CN" sz="4800">
+                  <a:rPr lang="en-US" altLang="zh-CN" sz="4800" dirty="0">
                     <a:latin typeface="微软雅黑" panose="020B0503020204020204" charset="-122"/>
                     <a:ea typeface="微软雅黑" panose="020B0503020204020204" charset="-122"/>
                   </a:rPr>
                   <a:t>8</a:t>
                 </a:r>
-                <a:endParaRPr lang="en-US" altLang="zh-CN" sz="4800">
-                  <a:latin typeface="微软雅黑" panose="020B0503020204020204" charset="-122"/>
-                  <a:ea typeface="微软雅黑" panose="020B0503020204020204" charset="-122"/>
-                </a:endParaRPr>
               </a:p>
             </p:txBody>
           </p:sp>
@@ -15445,6 +15647,7 @@
               <a:bodyPr wrap="none" rtlCol="0">
                 <a:spAutoFit/>
               </a:bodyPr>
+              <a:lstStyle/>
               <a:p>
                 <a:pPr algn="l"/>
                 <a:r>
@@ -15453,9 +15656,6 @@
                   </a:rPr>
                   <a:t>Reading Online</a:t>
                 </a:r>
-                <a:endParaRPr lang="zh-CN" altLang="en-US" sz="4400" b="1">
-                  <a:sym typeface="+mn-ea"/>
-                </a:endParaRPr>
               </a:p>
             </p:txBody>
           </p:sp>
@@ -15495,12 +15695,12 @@
             <a:bodyPr wrap="square" rtlCol="0" anchor="t">
               <a:spAutoFit/>
             </a:bodyPr>
+            <a:lstStyle/>
             <a:p>
               <a:r>
                 <a:rPr lang="zh-CN" altLang="en-US" sz="2400"/>
                 <a:t>GitHub</a:t>
               </a:r>
-              <a:endParaRPr lang="zh-CN" altLang="en-US" sz="2400"/>
             </a:p>
           </p:txBody>
         </p:sp>
@@ -15557,6 +15757,7 @@
             </p:style>
             <p:txBody>
               <a:bodyPr rtlCol="0" anchor="ctr"/>
+              <a:lstStyle/>
               <a:p>
                 <a:pPr algn="ctr"/>
                 <a:endParaRPr lang="zh-CN" altLang="en-US"/>
@@ -15603,6 +15804,7 @@
             </p:style>
             <p:txBody>
               <a:bodyPr rtlCol="0" anchor="ctr"/>
+              <a:lstStyle/>
               <a:p>
                 <a:pPr algn="ctr"/>
                 <a:endParaRPr lang="zh-CN" altLang="en-US"/>
@@ -15645,6 +15847,7 @@
             <a:bodyPr wrap="square" rtlCol="0" anchor="t">
               <a:spAutoFit/>
             </a:bodyPr>
+            <a:lstStyle/>
             <a:p>
               <a:r>
                 <a:rPr lang="en-US" altLang="zh-CN" sz="2400"/>
@@ -15654,7 +15857,6 @@
                 <a:rPr lang="zh-CN" altLang="en-US" sz="2400"/>
                 <a:t>inder</a:t>
               </a:r>
-              <a:endParaRPr lang="zh-CN" altLang="en-US" sz="2400"/>
             </a:p>
           </p:txBody>
         </p:sp>
@@ -15711,6 +15913,7 @@
             </p:style>
             <p:txBody>
               <a:bodyPr rtlCol="0" anchor="ctr"/>
+              <a:lstStyle/>
               <a:p>
                 <a:pPr algn="ctr"/>
                 <a:endParaRPr lang="zh-CN" altLang="en-US"/>
@@ -15757,6 +15960,7 @@
             </p:style>
             <p:txBody>
               <a:bodyPr rtlCol="0" anchor="ctr"/>
+              <a:lstStyle/>
               <a:p>
                 <a:pPr algn="ctr"/>
                 <a:endParaRPr lang="zh-CN" altLang="en-US"/>
@@ -15799,12 +16003,12 @@
             <a:bodyPr wrap="square" rtlCol="0" anchor="t">
               <a:spAutoFit/>
             </a:bodyPr>
+            <a:lstStyle/>
             <a:p>
               <a:r>
                 <a:rPr lang="zh-CN" altLang="en-US" sz="2400"/>
                 <a:t>nbviewe</a:t>
               </a:r>
-              <a:endParaRPr lang="zh-CN" altLang="en-US" sz="2400"/>
             </a:p>
           </p:txBody>
         </p:sp>
@@ -15861,6 +16065,7 @@
             </p:style>
             <p:txBody>
               <a:bodyPr rtlCol="0" anchor="ctr"/>
+              <a:lstStyle/>
               <a:p>
                 <a:pPr algn="ctr"/>
                 <a:endParaRPr lang="zh-CN" altLang="en-US"/>
@@ -15907,6 +16112,7 @@
             </p:style>
             <p:txBody>
               <a:bodyPr rtlCol="0" anchor="ctr"/>
+              <a:lstStyle/>
               <a:p>
                 <a:pPr algn="ctr"/>
                 <a:endParaRPr lang="zh-CN" altLang="en-US"/>
@@ -15968,6 +16174,7 @@
           </p:style>
           <p:txBody>
             <a:bodyPr rtlCol="0" anchor="ctr"/>
+            <a:lstStyle/>
             <a:p>
               <a:pPr algn="ctr"/>
               <a:endParaRPr lang="zh-CN" altLang="en-US"/>
@@ -15994,6 +16201,7 @@
             <a:bodyPr wrap="none" rtlCol="0" anchor="t">
               <a:spAutoFit/>
             </a:bodyPr>
+            <a:lstStyle/>
             <a:p>
               <a:pPr algn="l"/>
               <a:r>
@@ -16002,9 +16210,6 @@
                 </a:rPr>
                 <a:t>binder serves interactive notebooks online </a:t>
               </a:r>
-              <a:endParaRPr lang="zh-CN" altLang="en-US">
-                <a:sym typeface="+mn-ea"/>
-              </a:endParaRPr>
             </a:p>
           </p:txBody>
         </p:sp>
@@ -16062,6 +16267,7 @@
           </p:style>
           <p:txBody>
             <a:bodyPr rtlCol="0" anchor="ctr"/>
+            <a:lstStyle/>
             <a:p>
               <a:pPr algn="ctr"/>
               <a:endParaRPr lang="zh-CN" altLang="en-US"/>
@@ -16088,12 +16294,13 @@
             <a:bodyPr wrap="none" rtlCol="0" anchor="t">
               <a:spAutoFit/>
             </a:bodyPr>
+            <a:lstStyle/>
             <a:p>
               <a:pPr algn="l"/>
               <a:r>
                 <a:rPr lang="zh-CN" altLang="en-US">
                   <a:sym typeface="+mn-ea"/>
-                  <a:hlinkClick r:id="rId1" action="ppaction://hlinkfile"/>
+                  <a:hlinkClick r:id="rId2" action="ppaction://hlinkfile"/>
                 </a:rPr>
                 <a:t>https://github.com/rlabbe/Kalman-and-Bayesian-Filters-in-Python</a:t>
               </a:r>
@@ -16157,6 +16364,7 @@
           </p:style>
           <p:txBody>
             <a:bodyPr rtlCol="0" anchor="ctr"/>
+            <a:lstStyle/>
             <a:p>
               <a:pPr algn="ctr"/>
               <a:endParaRPr lang="zh-CN" altLang="en-US"/>
@@ -16183,6 +16391,7 @@
             <a:bodyPr wrap="none" rtlCol="0" anchor="t">
               <a:spAutoFit/>
             </a:bodyPr>
+            <a:lstStyle/>
             <a:p>
               <a:pPr algn="l"/>
               <a:r>
@@ -16191,14 +16400,14 @@
                     <a:schemeClr val="accent6"/>
                   </a:solidFill>
                   <a:sym typeface="+mn-ea"/>
-                  <a:hlinkClick r:id="rId2" tooltip=""/>
+                  <a:hlinkClick r:id="rId3"/>
                 </a:rPr>
                 <a:t>http://mybinder.org/repo/rlabbe/Kalman-and-Bayesian-Filters-in-Pytho</a:t>
               </a:r>
               <a:r>
                 <a:rPr lang="zh-CN" altLang="en-US">
                   <a:sym typeface="+mn-ea"/>
-                  <a:hlinkClick r:id="rId2" tooltip=""/>
+                  <a:hlinkClick r:id="rId3"/>
                 </a:rPr>
                 <a:t>n</a:t>
               </a:r>
@@ -16208,9 +16417,6 @@
                 </a:rPr>
                 <a:t> </a:t>
               </a:r>
-              <a:endParaRPr lang="zh-CN" altLang="en-US">
-                <a:sym typeface="+mn-ea"/>
-              </a:endParaRPr>
             </a:p>
           </p:txBody>
         </p:sp>
@@ -16268,6 +16474,7 @@
           </p:style>
           <p:txBody>
             <a:bodyPr rtlCol="0" anchor="ctr"/>
+            <a:lstStyle/>
             <a:p>
               <a:pPr algn="ctr"/>
               <a:endParaRPr lang="zh-CN" altLang="en-US"/>
@@ -16294,12 +16501,13 @@
             <a:bodyPr wrap="none" rtlCol="0" anchor="t">
               <a:spAutoFit/>
             </a:bodyPr>
+            <a:lstStyle/>
             <a:p>
               <a:pPr algn="l"/>
               <a:r>
                 <a:rPr lang="zh-CN" altLang="en-US">
                   <a:sym typeface="+mn-ea"/>
-                  <a:hlinkClick r:id="rId3" tooltip="" action="ppaction://hlinkfile"/>
+                  <a:hlinkClick r:id="rId4" action="ppaction://hlinkfile"/>
                 </a:rPr>
                 <a:t>https://nbviewer.org/github/rlabbe/Kalman-and-Bayesian-Filters-in-Python/tree/master/</a:t>
               </a:r>
@@ -16309,9 +16517,6 @@
                 </a:rPr>
                 <a:t> </a:t>
               </a:r>
-              <a:endParaRPr lang="zh-CN" altLang="en-US">
-                <a:sym typeface="+mn-ea"/>
-              </a:endParaRPr>
             </a:p>
           </p:txBody>
         </p:sp>
@@ -16333,7 +16538,14 @@
         <p:cNvGrpSpPr/>
         <p:nvPr/>
       </p:nvGrpSpPr>
-      <p:grpSpPr/>
+      <p:grpSpPr>
+        <a:xfrm>
+          <a:off x="0" y="0"/>
+          <a:ext cx="0" cy="0"/>
+          <a:chOff x="0" y="0"/>
+          <a:chExt cx="0" cy="0"/>
+        </a:xfrm>
+      </p:grpSpPr>
       <p:cxnSp>
         <p:nvCxnSpPr>
           <p:cNvPr id="4" name="直接连接符 3"/>
@@ -16390,6 +16602,7 @@
           <a:bodyPr wrap="none" rtlCol="0" anchor="t">
             <a:spAutoFit/>
           </a:bodyPr>
+          <a:lstStyle/>
           <a:p>
             <a:pPr algn="l"/>
             <a:r>
@@ -16469,6 +16682,7 @@
           <a:bodyPr wrap="none" rtlCol="0" anchor="t">
             <a:spAutoFit/>
           </a:bodyPr>
+          <a:lstStyle/>
           <a:p>
             <a:r>
               <a:rPr lang="en-US" altLang="zh-CN" sz="5400" b="1">
@@ -16482,9 +16696,6 @@
               </a:rPr>
               <a:t>版本</a:t>
             </a:r>
-            <a:endParaRPr lang="zh-CN" altLang="en-US" sz="5400" b="1">
-              <a:sym typeface="+mn-ea"/>
-            </a:endParaRPr>
           </a:p>
         </p:txBody>
       </p:sp>
@@ -16505,6 +16716,9 @@
           <a:solidFill>
             <a:srgbClr val="00B050"/>
           </a:solidFill>
+          <a:ln>
+            <a:noFill/>
+          </a:ln>
         </p:spPr>
         <p:style>
           <a:lnRef idx="2">
@@ -16524,19 +16738,16 @@
         </p:style>
         <p:txBody>
           <a:bodyPr rtlCol="0" anchor="ctr"/>
+          <a:lstStyle/>
           <a:p>
             <a:pPr algn="ctr"/>
             <a:r>
-              <a:rPr lang="en-US" altLang="zh-CN" sz="4800">
+              <a:rPr lang="en-US" altLang="zh-CN" sz="4800" dirty="0">
                 <a:latin typeface="微软雅黑" panose="020B0503020204020204" charset="-122"/>
                 <a:ea typeface="微软雅黑" panose="020B0503020204020204" charset="-122"/>
               </a:rPr>
               <a:t>9</a:t>
             </a:r>
-            <a:endParaRPr lang="en-US" altLang="zh-CN" sz="4800">
-              <a:latin typeface="微软雅黑" panose="020B0503020204020204" charset="-122"/>
-              <a:ea typeface="微软雅黑" panose="020B0503020204020204" charset="-122"/>
-            </a:endParaRPr>
           </a:p>
         </p:txBody>
       </p:sp>
@@ -16799,6 +17010,8 @@
       </a:bgFillStyleLst>
     </a:fmtScheme>
   </a:themeElements>
+  <a:objectDefaults/>
+  <a:extraClrSchemeLst/>
   <a:extLst>
     <a:ext uri="{05A4C25C-085E-4340-85A3-A5531E510DB2}">
       <thm15:themeFamily xmlns:thm15="http://schemas.microsoft.com/office/thememl/2012/main" name="Office Theme" id="{62F939B6-93AF-4DB8-9C6B-D6C7DFDC589F}" vid="{4A3C46E8-61CC-4603-A589-7422A47A8E4A}"/>
